--- a/Selection_Figures/PathTotalNew.pptx
+++ b/Selection_Figures/PathTotalNew.pptx
@@ -212,7 +212,7 @@
           <a:p>
             <a:fld id="{B0CC0C1C-962D-1442-A4E4-85028945C2C7}" type="datetimeFigureOut">
               <a:rPr lang="en-US" smtClean="0"/>
-              <a:t>2/25/21</a:t>
+              <a:t>4/13/21</a:t>
             </a:fld>
             <a:endParaRPr lang="en-US"/>
           </a:p>
@@ -744,7 +744,7 @@
           <a:p>
             <a:fld id="{E6744CE3-0875-4B69-89C0-6F72D8139561}" type="datetimeFigureOut">
               <a:rPr lang="en-GB" smtClean="0"/>
-              <a:t>25/02/2021</a:t>
+              <a:t>13/04/2021</a:t>
             </a:fld>
             <a:endParaRPr lang="en-GB"/>
           </a:p>
@@ -914,7 +914,7 @@
           <a:p>
             <a:fld id="{E6744CE3-0875-4B69-89C0-6F72D8139561}" type="datetimeFigureOut">
               <a:rPr lang="en-GB" smtClean="0"/>
-              <a:t>25/02/2021</a:t>
+              <a:t>13/04/2021</a:t>
             </a:fld>
             <a:endParaRPr lang="en-GB"/>
           </a:p>
@@ -1160,7 +1160,7 @@
           <a:p>
             <a:fld id="{E6744CE3-0875-4B69-89C0-6F72D8139561}" type="datetimeFigureOut">
               <a:rPr lang="en-GB" smtClean="0"/>
-              <a:t>25/02/2021</a:t>
+              <a:t>13/04/2021</a:t>
             </a:fld>
             <a:endParaRPr lang="en-GB"/>
           </a:p>
@@ -1448,7 +1448,7 @@
           <a:p>
             <a:fld id="{E6744CE3-0875-4B69-89C0-6F72D8139561}" type="datetimeFigureOut">
               <a:rPr lang="en-GB" smtClean="0"/>
-              <a:t>25/02/2021</a:t>
+              <a:t>13/04/2021</a:t>
             </a:fld>
             <a:endParaRPr lang="en-GB"/>
           </a:p>
@@ -1870,7 +1870,7 @@
           <a:p>
             <a:fld id="{E6744CE3-0875-4B69-89C0-6F72D8139561}" type="datetimeFigureOut">
               <a:rPr lang="en-GB" smtClean="0"/>
-              <a:t>25/02/2021</a:t>
+              <a:t>13/04/2021</a:t>
             </a:fld>
             <a:endParaRPr lang="en-GB"/>
           </a:p>
@@ -1988,7 +1988,7 @@
           <a:p>
             <a:fld id="{E6744CE3-0875-4B69-89C0-6F72D8139561}" type="datetimeFigureOut">
               <a:rPr lang="en-GB" smtClean="0"/>
-              <a:t>25/02/2021</a:t>
+              <a:t>13/04/2021</a:t>
             </a:fld>
             <a:endParaRPr lang="en-GB"/>
           </a:p>
@@ -2083,7 +2083,7 @@
           <a:p>
             <a:fld id="{E6744CE3-0875-4B69-89C0-6F72D8139561}" type="datetimeFigureOut">
               <a:rPr lang="en-GB" smtClean="0"/>
-              <a:t>25/02/2021</a:t>
+              <a:t>13/04/2021</a:t>
             </a:fld>
             <a:endParaRPr lang="en-GB"/>
           </a:p>
@@ -2296,7 +2296,7 @@
           <a:p>
             <a:fld id="{E6744CE3-0875-4B69-89C0-6F72D8139561}" type="datetimeFigureOut">
               <a:rPr lang="en-GB" smtClean="0"/>
-              <a:t>25/02/2021</a:t>
+              <a:t>13/04/2021</a:t>
             </a:fld>
             <a:endParaRPr lang="en-GB"/>
           </a:p>
@@ -2675,7 +2675,7 @@
         </p:nvSpPr>
         <p:spPr>
           <a:xfrm>
-            <a:off x="3563888" y="587826"/>
+            <a:off x="3563888" y="401878"/>
             <a:ext cx="884623" cy="2625119"/>
           </a:xfrm>
           <a:custGeom>
@@ -2985,7 +2985,7 @@
         </p:nvSpPr>
         <p:spPr>
           <a:xfrm>
-            <a:off x="4313445" y="3036482"/>
+            <a:off x="4313445" y="2850534"/>
             <a:ext cx="170575" cy="176463"/>
           </a:xfrm>
           <a:custGeom>
@@ -3043,7 +3043,7 @@
         </p:nvSpPr>
         <p:spPr>
           <a:xfrm>
-            <a:off x="1899131" y="2081042"/>
+            <a:off x="1899131" y="1895094"/>
             <a:ext cx="2288600" cy="1131902"/>
           </a:xfrm>
           <a:custGeom>
@@ -3317,7 +3317,7 @@
         </p:nvSpPr>
         <p:spPr>
           <a:xfrm>
-            <a:off x="4008103" y="3063165"/>
+            <a:off x="4008103" y="2877217"/>
             <a:ext cx="179628" cy="161344"/>
           </a:xfrm>
           <a:custGeom>
@@ -3375,7 +3375,7 @@
         </p:nvSpPr>
         <p:spPr>
           <a:xfrm>
-            <a:off x="4695489" y="587826"/>
+            <a:off x="4695489" y="401878"/>
             <a:ext cx="884623" cy="2625119"/>
           </a:xfrm>
           <a:custGeom>
@@ -3685,7 +3685,7 @@
         </p:nvSpPr>
         <p:spPr>
           <a:xfrm>
-            <a:off x="4659982" y="3036482"/>
+            <a:off x="4659982" y="2850534"/>
             <a:ext cx="170575" cy="176463"/>
           </a:xfrm>
           <a:custGeom>
@@ -3743,7 +3743,7 @@
         </p:nvSpPr>
         <p:spPr>
           <a:xfrm>
-            <a:off x="4991063" y="2081042"/>
+            <a:off x="4991063" y="1895094"/>
             <a:ext cx="2288600" cy="1131902"/>
           </a:xfrm>
           <a:custGeom>
@@ -4017,7 +4017,7 @@
         </p:nvSpPr>
         <p:spPr>
           <a:xfrm>
-            <a:off x="4991063" y="3063165"/>
+            <a:off x="4991063" y="2877217"/>
             <a:ext cx="179628" cy="161344"/>
           </a:xfrm>
           <a:custGeom>
@@ -4075,7 +4075,7 @@
         </p:nvSpPr>
         <p:spPr>
           <a:xfrm>
-            <a:off x="4589397" y="3839992"/>
+            <a:off x="4589397" y="3707752"/>
             <a:ext cx="0" cy="2169520"/>
           </a:xfrm>
           <a:custGeom>
@@ -4385,7 +4385,7 @@
         </p:nvSpPr>
         <p:spPr>
           <a:xfrm>
-            <a:off x="4499397" y="6043494"/>
+            <a:off x="4499397" y="5857546"/>
             <a:ext cx="180000" cy="155884"/>
           </a:xfrm>
           <a:custGeom>
@@ -4443,7 +4443,7 @@
         </p:nvSpPr>
         <p:spPr>
           <a:xfrm>
-            <a:off x="1619672" y="2081042"/>
+            <a:off x="1619672" y="1895094"/>
             <a:ext cx="2775629" cy="4118336"/>
           </a:xfrm>
           <a:custGeom>
@@ -4765,7 +4765,7 @@
         </p:nvSpPr>
         <p:spPr>
           <a:xfrm>
-            <a:off x="4233547" y="6019813"/>
+            <a:off x="4233547" y="5833865"/>
             <a:ext cx="161753" cy="179566"/>
           </a:xfrm>
           <a:custGeom>
@@ -4823,7 +4823,7 @@
         </p:nvSpPr>
         <p:spPr>
           <a:xfrm>
-            <a:off x="4820707" y="2081042"/>
+            <a:off x="4820707" y="1895094"/>
             <a:ext cx="2775629" cy="4118336"/>
           </a:xfrm>
           <a:custGeom>
@@ -5145,7 +5145,7 @@
         </p:nvSpPr>
         <p:spPr>
           <a:xfrm>
-            <a:off x="4820707" y="6019813"/>
+            <a:off x="4820707" y="5833865"/>
             <a:ext cx="161753" cy="179566"/>
           </a:xfrm>
           <a:custGeom>
@@ -5203,8 +5203,63 @@
         </p:nvSpPr>
         <p:spPr>
           <a:xfrm>
-            <a:off x="4183528" y="1844824"/>
+            <a:off x="3407701" y="1658876"/>
             <a:ext cx="388472" cy="103410"/>
+          </a:xfrm>
+          <a:prstGeom prst="rect">
+            <a:avLst/>
+          </a:prstGeom>
+          <a:noFill/>
+        </p:spPr>
+        <p:txBody>
+          <a:bodyPr wrap="none" lIns="0" tIns="0" rIns="0" bIns="0" anchor="ctr" anchorCtr="1"/>
+          <a:lstStyle/>
+          <a:p>
+            <a:pPr marL="0" marR="0" indent="0" algn="l">
+              <a:spcBef>
+                <a:spcPts val="0"/>
+              </a:spcBef>
+              <a:spcAft>
+                <a:spcPts val="0"/>
+              </a:spcAft>
+            </a:pPr>
+            <a:r>
+              <a:rPr lang="en-CA" sz="1400" b="1" dirty="0">
+                <a:solidFill>
+                  <a:srgbClr val="000000">
+                    <a:alpha val="100000"/>
+                  </a:srgbClr>
+                </a:solidFill>
+                <a:latin typeface="Times New Roman" panose="02020603050405020304" pitchFamily="18" charset="0"/>
+                <a:cs typeface="Times New Roman" panose="02020603050405020304" pitchFamily="18" charset="0"/>
+              </a:rPr>
+              <a:t>+</a:t>
+            </a:r>
+            <a:r>
+              <a:rPr sz="1400" b="1" dirty="0">
+                <a:solidFill>
+                  <a:srgbClr val="000000">
+                    <a:alpha val="100000"/>
+                  </a:srgbClr>
+                </a:solidFill>
+                <a:latin typeface="Times New Roman" panose="02020603050405020304" pitchFamily="18" charset="0"/>
+                <a:cs typeface="Times New Roman" panose="02020603050405020304" pitchFamily="18" charset="0"/>
+              </a:rPr>
+              <a:t>0.42***</a:t>
+            </a:r>
+          </a:p>
+        </p:txBody>
+      </p:sp>
+      <p:sp>
+        <p:nvSpPr>
+          <p:cNvPr id="20" name="tx20"/>
+          <p:cNvSpPr/>
+          <p:nvPr/>
+        </p:nvSpPr>
+        <p:spPr>
+          <a:xfrm>
+            <a:off x="3109820" y="2306948"/>
+            <a:ext cx="382060" cy="103478"/>
           </a:xfrm>
           <a:prstGeom prst="rect">
             <a:avLst/>
@@ -5233,21 +5288,21 @@
                 <a:latin typeface="Times New Roman" panose="02020603050405020304" pitchFamily="18" charset="0"/>
                 <a:cs typeface="Times New Roman" panose="02020603050405020304" pitchFamily="18" charset="0"/>
               </a:rPr>
-              <a:t>0.42 ***</a:t>
+              <a:t>-0.18**</a:t>
             </a:r>
           </a:p>
         </p:txBody>
       </p:sp>
       <p:sp>
         <p:nvSpPr>
-          <p:cNvPr id="20" name="tx20"/>
+          <p:cNvPr id="21" name="tx21"/>
           <p:cNvSpPr/>
           <p:nvPr/>
         </p:nvSpPr>
         <p:spPr>
           <a:xfrm>
-            <a:off x="3109820" y="2492896"/>
-            <a:ext cx="382060" cy="103478"/>
+            <a:off x="5364978" y="1658876"/>
+            <a:ext cx="426603" cy="103410"/>
           </a:xfrm>
           <a:prstGeom prst="rect">
             <a:avLst/>
@@ -5276,21 +5331,21 @@
                 <a:latin typeface="Times New Roman" panose="02020603050405020304" pitchFamily="18" charset="0"/>
                 <a:cs typeface="Times New Roman" panose="02020603050405020304" pitchFamily="18" charset="0"/>
               </a:rPr>
-              <a:t>-0.18 **</a:t>
+              <a:t>-0.54***</a:t>
             </a:r>
           </a:p>
         </p:txBody>
       </p:sp>
       <p:sp>
         <p:nvSpPr>
-          <p:cNvPr id="21" name="tx21"/>
+          <p:cNvPr id="22" name="tx22"/>
           <p:cNvSpPr/>
           <p:nvPr/>
         </p:nvSpPr>
         <p:spPr>
           <a:xfrm>
-            <a:off x="5364978" y="1844824"/>
-            <a:ext cx="426603" cy="103410"/>
+            <a:off x="5721422" y="2306948"/>
+            <a:ext cx="410525" cy="185948"/>
           </a:xfrm>
           <a:prstGeom prst="rect">
             <a:avLst/>
@@ -5309,6 +5364,18 @@
                 <a:spcPts val="0"/>
               </a:spcAft>
             </a:pPr>
+            <a:r>
+              <a:rPr lang="en-CA" sz="1400" b="1" dirty="0">
+                <a:solidFill>
+                  <a:srgbClr val="000000">
+                    <a:alpha val="100000"/>
+                  </a:srgbClr>
+                </a:solidFill>
+                <a:latin typeface="Times New Roman" panose="02020603050405020304" pitchFamily="18" charset="0"/>
+                <a:cs typeface="Times New Roman" panose="02020603050405020304" pitchFamily="18" charset="0"/>
+              </a:rPr>
+              <a:t>+</a:t>
+            </a:r>
             <a:r>
               <a:rPr sz="1400" b="1" dirty="0">
                 <a:solidFill>
@@ -5319,50 +5386,7 @@
                 <a:latin typeface="Times New Roman" panose="02020603050405020304" pitchFamily="18" charset="0"/>
                 <a:cs typeface="Times New Roman" panose="02020603050405020304" pitchFamily="18" charset="0"/>
               </a:rPr>
-              <a:t>-0.54 ***</a:t>
-            </a:r>
-          </a:p>
-        </p:txBody>
-      </p:sp>
-      <p:sp>
-        <p:nvSpPr>
-          <p:cNvPr id="22" name="tx22"/>
-          <p:cNvSpPr/>
-          <p:nvPr/>
-        </p:nvSpPr>
-        <p:spPr>
-          <a:xfrm>
-            <a:off x="5832561" y="2492896"/>
-            <a:ext cx="299386" cy="103410"/>
-          </a:xfrm>
-          <a:prstGeom prst="rect">
-            <a:avLst/>
-          </a:prstGeom>
-          <a:noFill/>
-        </p:spPr>
-        <p:txBody>
-          <a:bodyPr wrap="none" lIns="0" tIns="0" rIns="0" bIns="0" anchor="ctr" anchorCtr="1"/>
-          <a:lstStyle/>
-          <a:p>
-            <a:pPr marL="0" marR="0" indent="0" algn="l">
-              <a:spcBef>
-                <a:spcPts val="0"/>
-              </a:spcBef>
-              <a:spcAft>
-                <a:spcPts val="0"/>
-              </a:spcAft>
-            </a:pPr>
-            <a:r>
-              <a:rPr sz="1400" b="1" dirty="0">
-                <a:solidFill>
-                  <a:srgbClr val="000000">
-                    <a:alpha val="100000"/>
-                  </a:srgbClr>
-                </a:solidFill>
-                <a:latin typeface="Times New Roman" panose="02020603050405020304" pitchFamily="18" charset="0"/>
-                <a:cs typeface="Times New Roman" panose="02020603050405020304" pitchFamily="18" charset="0"/>
-              </a:rPr>
-              <a:t>0.12 *</a:t>
+              <a:t>0.12*</a:t>
             </a:r>
           </a:p>
         </p:txBody>
@@ -5375,7 +5399,7 @@
         </p:nvSpPr>
         <p:spPr>
           <a:xfrm>
-            <a:off x="4742930" y="4867719"/>
+            <a:off x="4742930" y="4681771"/>
             <a:ext cx="261118" cy="102182"/>
           </a:xfrm>
           <a:prstGeom prst="rect">
@@ -5418,7 +5442,7 @@
         </p:nvSpPr>
         <p:spPr>
           <a:xfrm>
-            <a:off x="3203848" y="4128652"/>
+            <a:off x="3203848" y="3942704"/>
             <a:ext cx="222987" cy="102182"/>
           </a:xfrm>
           <a:prstGeom prst="rect">
@@ -5438,6 +5462,18 @@
                 <a:spcPts val="0"/>
               </a:spcAft>
             </a:pPr>
+            <a:r>
+              <a:rPr lang="en-CA" sz="1400" b="1" dirty="0">
+                <a:solidFill>
+                  <a:srgbClr val="000000">
+                    <a:alpha val="100000"/>
+                  </a:srgbClr>
+                </a:solidFill>
+                <a:latin typeface="Times New Roman" panose="02020603050405020304" pitchFamily="18" charset="0"/>
+                <a:cs typeface="Times New Roman" panose="02020603050405020304" pitchFamily="18" charset="0"/>
+              </a:rPr>
+              <a:t>+</a:t>
+            </a:r>
             <a:r>
               <a:rPr sz="1400" b="1" dirty="0">
                 <a:solidFill>
@@ -5461,7 +5497,7 @@
         </p:nvSpPr>
         <p:spPr>
           <a:xfrm>
-            <a:off x="5721453" y="4127424"/>
+            <a:off x="5721453" y="3941476"/>
             <a:ext cx="273806" cy="103410"/>
           </a:xfrm>
           <a:prstGeom prst="rect">
@@ -5515,7 +5551,7 @@
                 <a:latin typeface="Times New Roman" panose="02020603050405020304" pitchFamily="18" charset="0"/>
                 <a:cs typeface="Times New Roman" panose="02020603050405020304" pitchFamily="18" charset="0"/>
               </a:rPr>
-              <a:t> *</a:t>
+              <a:t>*</a:t>
             </a:r>
           </a:p>
         </p:txBody>
@@ -5528,7 +5564,7 @@
         </p:nvSpPr>
         <p:spPr>
           <a:xfrm>
-            <a:off x="3886940" y="3337631"/>
+            <a:off x="3886940" y="3151683"/>
             <a:ext cx="1404915" cy="451409"/>
           </a:xfrm>
           <a:custGeom>
@@ -5724,7 +5760,7 @@
         </p:nvSpPr>
         <p:spPr>
           <a:xfrm>
-            <a:off x="4054574" y="3373776"/>
+            <a:off x="4054574" y="3187828"/>
             <a:ext cx="1069646" cy="343256"/>
           </a:xfrm>
           <a:prstGeom prst="rect">
@@ -5792,14 +5828,20 @@
       </p:sp>
       <p:sp>
         <p:nvSpPr>
-          <p:cNvPr id="36" name="pg36"/>
+          <p:cNvPr id="38" name="pl5">
+            <a:extLst>
+              <a:ext uri="{FF2B5EF4-FFF2-40B4-BE49-F238E27FC236}">
+                <a16:creationId xmlns:a16="http://schemas.microsoft.com/office/drawing/2014/main" id="{BF266EEA-95C9-A54D-99EB-6A849A006FC1}"/>
+              </a:ext>
+            </a:extLst>
+          </p:cNvPr>
           <p:cNvSpPr/>
           <p:nvPr/>
         </p:nvSpPr>
         <p:spPr>
           <a:xfrm>
-            <a:off x="4136173" y="6259883"/>
-            <a:ext cx="906447" cy="451409"/>
+            <a:off x="1187624" y="1925732"/>
+            <a:ext cx="2602269" cy="4087698"/>
           </a:xfrm>
           <a:custGeom>
             <a:avLst/>
@@ -5808,78 +5850,996 @@
             <a:cxnLst/>
             <a:rect l="0" t="0" r="0" b="0"/>
             <a:pathLst>
-              <a:path w="906447" h="191440">
+              <a:path w="2819425" h="5611553">
+                <a:moveTo>
+                  <a:pt x="0" y="0"/>
+                </a:moveTo>
+                <a:lnTo>
+                  <a:pt x="3492" y="19571"/>
+                </a:lnTo>
+                <a:lnTo>
+                  <a:pt x="19327" y="108027"/>
+                </a:lnTo>
+                <a:lnTo>
+                  <a:pt x="34904" y="194756"/>
+                </a:lnTo>
+                <a:lnTo>
+                  <a:pt x="50241" y="279796"/>
+                </a:lnTo>
+                <a:lnTo>
+                  <a:pt x="65356" y="363181"/>
+                </a:lnTo>
+                <a:lnTo>
+                  <a:pt x="80268" y="444948"/>
+                </a:lnTo>
+                <a:lnTo>
+                  <a:pt x="94994" y="525131"/>
+                </a:lnTo>
+                <a:lnTo>
+                  <a:pt x="109551" y="603767"/>
+                </a:lnTo>
+                <a:lnTo>
+                  <a:pt x="123959" y="680891"/>
+                </a:lnTo>
+                <a:lnTo>
+                  <a:pt x="138235" y="756538"/>
+                </a:lnTo>
+                <a:lnTo>
+                  <a:pt x="152397" y="830744"/>
+                </a:lnTo>
+                <a:lnTo>
+                  <a:pt x="166463" y="903545"/>
+                </a:lnTo>
+                <a:lnTo>
+                  <a:pt x="180451" y="974975"/>
+                </a:lnTo>
+                <a:lnTo>
+                  <a:pt x="194379" y="1045072"/>
+                </a:lnTo>
+                <a:lnTo>
+                  <a:pt x="208265" y="1113870"/>
+                </a:lnTo>
+                <a:lnTo>
+                  <a:pt x="222127" y="1181405"/>
+                </a:lnTo>
+                <a:lnTo>
+                  <a:pt x="235983" y="1247713"/>
+                </a:lnTo>
+                <a:lnTo>
+                  <a:pt x="249851" y="1312828"/>
+                </a:lnTo>
+                <a:lnTo>
+                  <a:pt x="263748" y="1376787"/>
+                </a:lnTo>
+                <a:lnTo>
+                  <a:pt x="277694" y="1439625"/>
+                </a:lnTo>
+                <a:lnTo>
+                  <a:pt x="291705" y="1501378"/>
+                </a:lnTo>
+                <a:lnTo>
+                  <a:pt x="305800" y="1562082"/>
+                </a:lnTo>
+                <a:lnTo>
+                  <a:pt x="319997" y="1621771"/>
+                </a:lnTo>
+                <a:lnTo>
+                  <a:pt x="334314" y="1680482"/>
+                </a:lnTo>
+                <a:lnTo>
+                  <a:pt x="348768" y="1738249"/>
+                </a:lnTo>
+                <a:lnTo>
+                  <a:pt x="363378" y="1795110"/>
+                </a:lnTo>
+                <a:lnTo>
+                  <a:pt x="378162" y="1851098"/>
+                </a:lnTo>
+                <a:lnTo>
+                  <a:pt x="393138" y="1906251"/>
+                </a:lnTo>
+                <a:lnTo>
+                  <a:pt x="408323" y="1960602"/>
+                </a:lnTo>
+                <a:lnTo>
+                  <a:pt x="423736" y="2014189"/>
+                </a:lnTo>
+                <a:lnTo>
+                  <a:pt x="439395" y="2067046"/>
+                </a:lnTo>
+                <a:lnTo>
+                  <a:pt x="455317" y="2119208"/>
+                </a:lnTo>
+                <a:lnTo>
+                  <a:pt x="471521" y="2170713"/>
+                </a:lnTo>
+                <a:lnTo>
+                  <a:pt x="488024" y="2221595"/>
+                </a:lnTo>
+                <a:lnTo>
+                  <a:pt x="504845" y="2271889"/>
+                </a:lnTo>
+                <a:lnTo>
+                  <a:pt x="522002" y="2321632"/>
+                </a:lnTo>
+                <a:lnTo>
+                  <a:pt x="539512" y="2370858"/>
+                </a:lnTo>
+                <a:lnTo>
+                  <a:pt x="557393" y="2419605"/>
+                </a:lnTo>
+                <a:lnTo>
+                  <a:pt x="575664" y="2467906"/>
+                </a:lnTo>
+                <a:lnTo>
+                  <a:pt x="594343" y="2515797"/>
+                </a:lnTo>
+                <a:lnTo>
+                  <a:pt x="613447" y="2563315"/>
+                </a:lnTo>
+                <a:lnTo>
+                  <a:pt x="632994" y="2610495"/>
+                </a:lnTo>
+                <a:lnTo>
+                  <a:pt x="653003" y="2657371"/>
+                </a:lnTo>
+                <a:lnTo>
+                  <a:pt x="673491" y="2703981"/>
+                </a:lnTo>
+                <a:lnTo>
+                  <a:pt x="694476" y="2750359"/>
+                </a:lnTo>
+                <a:lnTo>
+                  <a:pt x="715977" y="2796541"/>
+                </a:lnTo>
+                <a:lnTo>
+                  <a:pt x="738011" y="2842563"/>
+                </a:lnTo>
+                <a:lnTo>
+                  <a:pt x="760596" y="2888460"/>
+                </a:lnTo>
+                <a:lnTo>
+                  <a:pt x="783751" y="2934268"/>
+                </a:lnTo>
+                <a:lnTo>
+                  <a:pt x="807493" y="2980021"/>
+                </a:lnTo>
+                <a:lnTo>
+                  <a:pt x="831840" y="3025757"/>
+                </a:lnTo>
+                <a:lnTo>
+                  <a:pt x="856810" y="3071510"/>
+                </a:lnTo>
+                <a:lnTo>
+                  <a:pt x="882422" y="3117316"/>
+                </a:lnTo>
+                <a:lnTo>
+                  <a:pt x="908693" y="3163211"/>
+                </a:lnTo>
+                <a:lnTo>
+                  <a:pt x="935640" y="3209230"/>
+                </a:lnTo>
+                <a:lnTo>
+                  <a:pt x="963283" y="3255408"/>
+                </a:lnTo>
+                <a:lnTo>
+                  <a:pt x="991640" y="3301782"/>
+                </a:lnTo>
+                <a:lnTo>
+                  <a:pt x="1020727" y="3348387"/>
+                </a:lnTo>
+                <a:lnTo>
+                  <a:pt x="1050563" y="3395258"/>
+                </a:lnTo>
+                <a:lnTo>
+                  <a:pt x="1081166" y="3442431"/>
+                </a:lnTo>
+                <a:lnTo>
+                  <a:pt x="1112555" y="3489942"/>
+                </a:lnTo>
+                <a:lnTo>
+                  <a:pt x="1144746" y="3537825"/>
+                </a:lnTo>
+                <a:lnTo>
+                  <a:pt x="1177759" y="3586118"/>
+                </a:lnTo>
+                <a:lnTo>
+                  <a:pt x="1211610" y="3634854"/>
+                </a:lnTo>
+                <a:lnTo>
+                  <a:pt x="1246318" y="3684071"/>
+                </a:lnTo>
+                <a:lnTo>
+                  <a:pt x="1281901" y="3733803"/>
+                </a:lnTo>
+                <a:lnTo>
+                  <a:pt x="1318378" y="3784086"/>
+                </a:lnTo>
+                <a:lnTo>
+                  <a:pt x="1355765" y="3834955"/>
+                </a:lnTo>
+                <a:lnTo>
+                  <a:pt x="1394080" y="3886447"/>
+                </a:lnTo>
+                <a:lnTo>
+                  <a:pt x="1433343" y="3938596"/>
+                </a:lnTo>
+                <a:lnTo>
+                  <a:pt x="1473571" y="3991439"/>
+                </a:lnTo>
+                <a:lnTo>
+                  <a:pt x="1514781" y="4045010"/>
+                </a:lnTo>
+                <a:lnTo>
+                  <a:pt x="1556992" y="4099346"/>
+                </a:lnTo>
+                <a:lnTo>
+                  <a:pt x="1600222" y="4154481"/>
+                </a:lnTo>
+                <a:lnTo>
+                  <a:pt x="1644489" y="4210453"/>
+                </a:lnTo>
+                <a:lnTo>
+                  <a:pt x="1689811" y="4267295"/>
+                </a:lnTo>
+                <a:lnTo>
+                  <a:pt x="1736205" y="4325044"/>
+                </a:lnTo>
+                <a:lnTo>
+                  <a:pt x="1783690" y="4383735"/>
+                </a:lnTo>
+                <a:lnTo>
+                  <a:pt x="1832283" y="4443404"/>
+                </a:lnTo>
+                <a:lnTo>
+                  <a:pt x="1882003" y="4504087"/>
+                </a:lnTo>
+                <a:lnTo>
+                  <a:pt x="1932868" y="4565818"/>
+                </a:lnTo>
+                <a:lnTo>
+                  <a:pt x="1984895" y="4628634"/>
+                </a:lnTo>
+                <a:lnTo>
+                  <a:pt x="2038103" y="4692570"/>
+                </a:lnTo>
+                <a:lnTo>
+                  <a:pt x="2092510" y="4757662"/>
+                </a:lnTo>
+                <a:lnTo>
+                  <a:pt x="2148133" y="4823945"/>
+                </a:lnTo>
+                <a:lnTo>
+                  <a:pt x="2204991" y="4891455"/>
+                </a:lnTo>
+                <a:lnTo>
+                  <a:pt x="2263101" y="4960227"/>
+                </a:lnTo>
+                <a:lnTo>
+                  <a:pt x="2322482" y="5030297"/>
+                </a:lnTo>
+                <a:lnTo>
+                  <a:pt x="2383151" y="5101700"/>
+                </a:lnTo>
+                <a:lnTo>
+                  <a:pt x="2445126" y="5174473"/>
+                </a:lnTo>
+                <a:lnTo>
+                  <a:pt x="2508426" y="5248650"/>
+                </a:lnTo>
+                <a:lnTo>
+                  <a:pt x="2573069" y="5324268"/>
+                </a:lnTo>
+                <a:lnTo>
+                  <a:pt x="2639071" y="5401361"/>
+                </a:lnTo>
+                <a:lnTo>
+                  <a:pt x="2706452" y="5479966"/>
+                </a:lnTo>
+                <a:lnTo>
+                  <a:pt x="2775230" y="5560118"/>
+                </a:lnTo>
+                <a:lnTo>
+                  <a:pt x="2819425" y="5611553"/>
+                </a:lnTo>
+              </a:path>
+            </a:pathLst>
+          </a:custGeom>
+          <a:ln w="34014" cap="flat">
+            <a:solidFill>
+              <a:srgbClr val="66CC99">
+                <a:alpha val="82352"/>
+              </a:srgbClr>
+            </a:solidFill>
+            <a:prstDash val="dash"/>
+            <a:round/>
+          </a:ln>
+        </p:spPr>
+        <p:txBody>
+          <a:bodyPr/>
+          <a:lstStyle/>
+          <a:p>
+            <a:endParaRPr sz="1400" b="1">
+              <a:latin typeface="Times New Roman" panose="02020603050405020304" pitchFamily="18" charset="0"/>
+              <a:cs typeface="Times New Roman" panose="02020603050405020304" pitchFamily="18" charset="0"/>
+            </a:endParaRPr>
+          </a:p>
+        </p:txBody>
+      </p:sp>
+      <p:sp>
+        <p:nvSpPr>
+          <p:cNvPr id="39" name="pl7">
+            <a:extLst>
+              <a:ext uri="{FF2B5EF4-FFF2-40B4-BE49-F238E27FC236}">
+                <a16:creationId xmlns:a16="http://schemas.microsoft.com/office/drawing/2014/main" id="{426CCBCC-A054-264E-A7D0-22549C73D2DE}"/>
+              </a:ext>
+            </a:extLst>
+          </p:cNvPr>
+          <p:cNvSpPr/>
+          <p:nvPr/>
+        </p:nvSpPr>
+        <p:spPr>
+          <a:xfrm>
+            <a:off x="5213828" y="1925731"/>
+            <a:ext cx="2670540" cy="4154635"/>
+          </a:xfrm>
+          <a:custGeom>
+            <a:avLst/>
+            <a:gdLst/>
+            <a:ahLst/>
+            <a:cxnLst/>
+            <a:rect l="0" t="0" r="0" b="0"/>
+            <a:pathLst>
+              <a:path w="2819425" h="5611553">
+                <a:moveTo>
+                  <a:pt x="2819425" y="0"/>
+                </a:moveTo>
+                <a:lnTo>
+                  <a:pt x="2815933" y="19571"/>
+                </a:lnTo>
+                <a:lnTo>
+                  <a:pt x="2800098" y="108027"/>
+                </a:lnTo>
+                <a:lnTo>
+                  <a:pt x="2784521" y="194756"/>
+                </a:lnTo>
+                <a:lnTo>
+                  <a:pt x="2769184" y="279796"/>
+                </a:lnTo>
+                <a:lnTo>
+                  <a:pt x="2754068" y="363181"/>
+                </a:lnTo>
+                <a:lnTo>
+                  <a:pt x="2739157" y="444948"/>
+                </a:lnTo>
+                <a:lnTo>
+                  <a:pt x="2724431" y="525131"/>
+                </a:lnTo>
+                <a:lnTo>
+                  <a:pt x="2709873" y="603767"/>
+                </a:lnTo>
+                <a:lnTo>
+                  <a:pt x="2695465" y="680891"/>
+                </a:lnTo>
+                <a:lnTo>
+                  <a:pt x="2681189" y="756538"/>
+                </a:lnTo>
+                <a:lnTo>
+                  <a:pt x="2667027" y="830744"/>
+                </a:lnTo>
+                <a:lnTo>
+                  <a:pt x="2652961" y="903545"/>
+                </a:lnTo>
+                <a:lnTo>
+                  <a:pt x="2638973" y="974975"/>
+                </a:lnTo>
+                <a:lnTo>
+                  <a:pt x="2625045" y="1045072"/>
+                </a:lnTo>
+                <a:lnTo>
+                  <a:pt x="2611160" y="1113870"/>
+                </a:lnTo>
+                <a:lnTo>
+                  <a:pt x="2597298" y="1181405"/>
+                </a:lnTo>
+                <a:lnTo>
+                  <a:pt x="2583442" y="1247713"/>
+                </a:lnTo>
+                <a:lnTo>
+                  <a:pt x="2569574" y="1312828"/>
+                </a:lnTo>
+                <a:lnTo>
+                  <a:pt x="2555676" y="1376787"/>
+                </a:lnTo>
+                <a:lnTo>
+                  <a:pt x="2541731" y="1439625"/>
+                </a:lnTo>
+                <a:lnTo>
+                  <a:pt x="2527720" y="1501378"/>
+                </a:lnTo>
+                <a:lnTo>
+                  <a:pt x="2513625" y="1562082"/>
+                </a:lnTo>
+                <a:lnTo>
+                  <a:pt x="2499428" y="1621771"/>
+                </a:lnTo>
+                <a:lnTo>
+                  <a:pt x="2485111" y="1680482"/>
+                </a:lnTo>
+                <a:lnTo>
+                  <a:pt x="2470656" y="1738249"/>
+                </a:lnTo>
+                <a:lnTo>
+                  <a:pt x="2456046" y="1795110"/>
+                </a:lnTo>
+                <a:lnTo>
+                  <a:pt x="2441262" y="1851098"/>
+                </a:lnTo>
+                <a:lnTo>
+                  <a:pt x="2426287" y="1906251"/>
+                </a:lnTo>
+                <a:lnTo>
+                  <a:pt x="2411101" y="1960602"/>
+                </a:lnTo>
+                <a:lnTo>
+                  <a:pt x="2395688" y="2014189"/>
+                </a:lnTo>
+                <a:lnTo>
+                  <a:pt x="2380030" y="2067046"/>
+                </a:lnTo>
+                <a:lnTo>
+                  <a:pt x="2364108" y="2119208"/>
+                </a:lnTo>
+                <a:lnTo>
+                  <a:pt x="2347904" y="2170713"/>
+                </a:lnTo>
+                <a:lnTo>
+                  <a:pt x="2331400" y="2221595"/>
+                </a:lnTo>
+                <a:lnTo>
+                  <a:pt x="2314579" y="2271889"/>
+                </a:lnTo>
+                <a:lnTo>
+                  <a:pt x="2297423" y="2321632"/>
+                </a:lnTo>
+                <a:lnTo>
+                  <a:pt x="2279913" y="2370858"/>
+                </a:lnTo>
+                <a:lnTo>
+                  <a:pt x="2262031" y="2419605"/>
+                </a:lnTo>
+                <a:lnTo>
+                  <a:pt x="2243760" y="2467906"/>
+                </a:lnTo>
+                <a:lnTo>
+                  <a:pt x="2225082" y="2515797"/>
+                </a:lnTo>
+                <a:lnTo>
+                  <a:pt x="2205978" y="2563315"/>
+                </a:lnTo>
+                <a:lnTo>
+                  <a:pt x="2186431" y="2610495"/>
+                </a:lnTo>
+                <a:lnTo>
+                  <a:pt x="2166422" y="2657371"/>
+                </a:lnTo>
+                <a:lnTo>
+                  <a:pt x="2145934" y="2703981"/>
+                </a:lnTo>
+                <a:lnTo>
+                  <a:pt x="2124949" y="2750359"/>
+                </a:lnTo>
+                <a:lnTo>
+                  <a:pt x="2103448" y="2796541"/>
+                </a:lnTo>
+                <a:lnTo>
+                  <a:pt x="2081414" y="2842563"/>
+                </a:lnTo>
+                <a:lnTo>
+                  <a:pt x="2058829" y="2888460"/>
+                </a:lnTo>
+                <a:lnTo>
+                  <a:pt x="2035674" y="2934268"/>
+                </a:lnTo>
+                <a:lnTo>
+                  <a:pt x="2011932" y="2980021"/>
+                </a:lnTo>
+                <a:lnTo>
+                  <a:pt x="1987585" y="3025757"/>
+                </a:lnTo>
+                <a:lnTo>
+                  <a:pt x="1962614" y="3071510"/>
+                </a:lnTo>
+                <a:lnTo>
+                  <a:pt x="1937003" y="3117316"/>
+                </a:lnTo>
+                <a:lnTo>
+                  <a:pt x="1910732" y="3163211"/>
+                </a:lnTo>
+                <a:lnTo>
+                  <a:pt x="1883784" y="3209230"/>
+                </a:lnTo>
+                <a:lnTo>
+                  <a:pt x="1856141" y="3255408"/>
+                </a:lnTo>
+                <a:lnTo>
+                  <a:pt x="1827785" y="3301782"/>
+                </a:lnTo>
+                <a:lnTo>
+                  <a:pt x="1798698" y="3348387"/>
+                </a:lnTo>
+                <a:lnTo>
+                  <a:pt x="1768862" y="3395258"/>
+                </a:lnTo>
+                <a:lnTo>
+                  <a:pt x="1738258" y="3442431"/>
+                </a:lnTo>
+                <a:lnTo>
+                  <a:pt x="1706870" y="3489942"/>
+                </a:lnTo>
+                <a:lnTo>
+                  <a:pt x="1674679" y="3537825"/>
+                </a:lnTo>
+                <a:lnTo>
+                  <a:pt x="1641666" y="3586118"/>
+                </a:lnTo>
+                <a:lnTo>
+                  <a:pt x="1607815" y="3634854"/>
+                </a:lnTo>
+                <a:lnTo>
+                  <a:pt x="1573107" y="3684071"/>
+                </a:lnTo>
+                <a:lnTo>
+                  <a:pt x="1537523" y="3733803"/>
+                </a:lnTo>
+                <a:lnTo>
+                  <a:pt x="1501047" y="3784086"/>
+                </a:lnTo>
+                <a:lnTo>
+                  <a:pt x="1463660" y="3834955"/>
+                </a:lnTo>
+                <a:lnTo>
+                  <a:pt x="1425344" y="3886447"/>
+                </a:lnTo>
+                <a:lnTo>
+                  <a:pt x="1386081" y="3938596"/>
+                </a:lnTo>
+                <a:lnTo>
+                  <a:pt x="1345854" y="3991439"/>
+                </a:lnTo>
+                <a:lnTo>
+                  <a:pt x="1304643" y="4045010"/>
+                </a:lnTo>
+                <a:lnTo>
+                  <a:pt x="1262432" y="4099346"/>
+                </a:lnTo>
+                <a:lnTo>
+                  <a:pt x="1219202" y="4154481"/>
+                </a:lnTo>
+                <a:lnTo>
+                  <a:pt x="1174936" y="4210453"/>
+                </a:lnTo>
+                <a:lnTo>
+                  <a:pt x="1129614" y="4267295"/>
+                </a:lnTo>
+                <a:lnTo>
+                  <a:pt x="1083220" y="4325044"/>
+                </a:lnTo>
+                <a:lnTo>
+                  <a:pt x="1035735" y="4383735"/>
+                </a:lnTo>
+                <a:lnTo>
+                  <a:pt x="987142" y="4443404"/>
+                </a:lnTo>
+                <a:lnTo>
+                  <a:pt x="937421" y="4504087"/>
+                </a:lnTo>
+                <a:lnTo>
+                  <a:pt x="886557" y="4565818"/>
+                </a:lnTo>
+                <a:lnTo>
+                  <a:pt x="834529" y="4628634"/>
+                </a:lnTo>
+                <a:lnTo>
+                  <a:pt x="781321" y="4692570"/>
+                </a:lnTo>
+                <a:lnTo>
+                  <a:pt x="726915" y="4757662"/>
+                </a:lnTo>
+                <a:lnTo>
+                  <a:pt x="671292" y="4823945"/>
+                </a:lnTo>
+                <a:lnTo>
+                  <a:pt x="614434" y="4891455"/>
+                </a:lnTo>
+                <a:lnTo>
+                  <a:pt x="556324" y="4960227"/>
+                </a:lnTo>
+                <a:lnTo>
+                  <a:pt x="496943" y="5030297"/>
+                </a:lnTo>
+                <a:lnTo>
+                  <a:pt x="436274" y="5101700"/>
+                </a:lnTo>
+                <a:lnTo>
+                  <a:pt x="374299" y="5174473"/>
+                </a:lnTo>
+                <a:lnTo>
+                  <a:pt x="310999" y="5248650"/>
+                </a:lnTo>
+                <a:lnTo>
+                  <a:pt x="246356" y="5324268"/>
+                </a:lnTo>
+                <a:lnTo>
+                  <a:pt x="180353" y="5401361"/>
+                </a:lnTo>
+                <a:lnTo>
+                  <a:pt x="112972" y="5479966"/>
+                </a:lnTo>
+                <a:lnTo>
+                  <a:pt x="44195" y="5560118"/>
+                </a:lnTo>
+                <a:lnTo>
+                  <a:pt x="0" y="5611553"/>
+                </a:lnTo>
+              </a:path>
+            </a:pathLst>
+          </a:custGeom>
+          <a:ln w="31895" cap="flat">
+            <a:solidFill>
+              <a:srgbClr val="CC6666">
+                <a:alpha val="84705"/>
+              </a:srgbClr>
+            </a:solidFill>
+            <a:prstDash val="dash"/>
+            <a:round/>
+          </a:ln>
+        </p:spPr>
+        <p:txBody>
+          <a:bodyPr/>
+          <a:lstStyle/>
+          <a:p>
+            <a:endParaRPr sz="1400" b="1">
+              <a:latin typeface="Times New Roman" panose="02020603050405020304" pitchFamily="18" charset="0"/>
+              <a:cs typeface="Times New Roman" panose="02020603050405020304" pitchFamily="18" charset="0"/>
+            </a:endParaRPr>
+          </a:p>
+        </p:txBody>
+      </p:sp>
+      <p:sp>
+        <p:nvSpPr>
+          <p:cNvPr id="40" name="tx9">
+            <a:extLst>
+              <a:ext uri="{FF2B5EF4-FFF2-40B4-BE49-F238E27FC236}">
+                <a16:creationId xmlns:a16="http://schemas.microsoft.com/office/drawing/2014/main" id="{62C4C57E-3B82-6F4A-9C7F-0F2D66B4E841}"/>
+              </a:ext>
+            </a:extLst>
+          </p:cNvPr>
+          <p:cNvSpPr/>
+          <p:nvPr/>
+        </p:nvSpPr>
+        <p:spPr>
+          <a:xfrm>
+            <a:off x="2132106" y="4107148"/>
+            <a:ext cx="279654" cy="74385"/>
+          </a:xfrm>
+          <a:prstGeom prst="rect">
+            <a:avLst/>
+          </a:prstGeom>
+          <a:noFill/>
+        </p:spPr>
+        <p:txBody>
+          <a:bodyPr wrap="none" lIns="0" tIns="0" rIns="0" bIns="0" anchor="ctr" anchorCtr="1"/>
+          <a:lstStyle/>
+          <a:p>
+            <a:pPr marL="0" marR="0" indent="0" algn="l">
+              <a:spcBef>
+                <a:spcPts val="0"/>
+              </a:spcBef>
+              <a:spcAft>
+                <a:spcPts val="0"/>
+              </a:spcAft>
+            </a:pPr>
+            <a:r>
+              <a:rPr lang="en-CA" sz="1400" b="1" dirty="0">
+                <a:solidFill>
+                  <a:srgbClr val="000000">
+                    <a:alpha val="100000"/>
+                  </a:srgbClr>
+                </a:solidFill>
+                <a:latin typeface="Times New Roman" panose="02020603050405020304" pitchFamily="18" charset="0"/>
+                <a:cs typeface="Times New Roman" panose="02020603050405020304" pitchFamily="18" charset="0"/>
+              </a:rPr>
+              <a:t>+</a:t>
+            </a:r>
+            <a:r>
+              <a:rPr sz="1400" b="1" dirty="0">
+                <a:solidFill>
+                  <a:srgbClr val="000000">
+                    <a:alpha val="100000"/>
+                  </a:srgbClr>
+                </a:solidFill>
+                <a:latin typeface="Times New Roman" panose="02020603050405020304" pitchFamily="18" charset="0"/>
+                <a:cs typeface="Times New Roman" panose="02020603050405020304" pitchFamily="18" charset="0"/>
+              </a:rPr>
+              <a:t>0.05</a:t>
+            </a:r>
+          </a:p>
+        </p:txBody>
+      </p:sp>
+      <p:sp>
+        <p:nvSpPr>
+          <p:cNvPr id="41" name="tx10">
+            <a:extLst>
+              <a:ext uri="{FF2B5EF4-FFF2-40B4-BE49-F238E27FC236}">
+                <a16:creationId xmlns:a16="http://schemas.microsoft.com/office/drawing/2014/main" id="{D242281A-7402-7B41-8FBC-99DBEF194499}"/>
+              </a:ext>
+            </a:extLst>
+          </p:cNvPr>
+          <p:cNvSpPr/>
+          <p:nvPr/>
+        </p:nvSpPr>
+        <p:spPr>
+          <a:xfrm>
+            <a:off x="6672872" y="4107148"/>
+            <a:ext cx="327476" cy="74385"/>
+          </a:xfrm>
+          <a:prstGeom prst="rect">
+            <a:avLst/>
+          </a:prstGeom>
+          <a:noFill/>
+        </p:spPr>
+        <p:txBody>
+          <a:bodyPr wrap="none" lIns="0" tIns="0" rIns="0" bIns="0" anchor="ctr" anchorCtr="1"/>
+          <a:lstStyle/>
+          <a:p>
+            <a:pPr marL="0" marR="0" indent="0" algn="l">
+              <a:spcBef>
+                <a:spcPts val="0"/>
+              </a:spcBef>
+              <a:spcAft>
+                <a:spcPts val="0"/>
+              </a:spcAft>
+            </a:pPr>
+            <a:r>
+              <a:rPr sz="1400" b="1" dirty="0">
+                <a:solidFill>
+                  <a:srgbClr val="000000">
+                    <a:alpha val="100000"/>
+                  </a:srgbClr>
+                </a:solidFill>
+                <a:latin typeface="Times New Roman" panose="02020603050405020304" pitchFamily="18" charset="0"/>
+                <a:cs typeface="Times New Roman" panose="02020603050405020304" pitchFamily="18" charset="0"/>
+              </a:rPr>
+              <a:t>-0.04</a:t>
+            </a:r>
+          </a:p>
+        </p:txBody>
+      </p:sp>
+      <p:sp>
+        <p:nvSpPr>
+          <p:cNvPr id="42" name="pg6">
+            <a:extLst>
+              <a:ext uri="{FF2B5EF4-FFF2-40B4-BE49-F238E27FC236}">
+                <a16:creationId xmlns:a16="http://schemas.microsoft.com/office/drawing/2014/main" id="{22067077-044B-394C-A144-C3DD7E4C109F}"/>
+              </a:ext>
+            </a:extLst>
+          </p:cNvPr>
+          <p:cNvSpPr/>
+          <p:nvPr/>
+        </p:nvSpPr>
+        <p:spPr>
+          <a:xfrm rot="20591602">
+            <a:off x="3729850" y="5898051"/>
+            <a:ext cx="169853" cy="176887"/>
+          </a:xfrm>
+          <a:custGeom>
+            <a:avLst/>
+            <a:gdLst/>
+            <a:ahLst/>
+            <a:cxnLst/>
+            <a:rect l="0" t="0" r="0" b="0"/>
+            <a:pathLst>
+              <a:path w="169853" h="176887">
+                <a:moveTo>
+                  <a:pt x="0" y="117307"/>
+                </a:moveTo>
+                <a:lnTo>
+                  <a:pt x="169853" y="176887"/>
+                </a:lnTo>
+                <a:lnTo>
+                  <a:pt x="136524" y="0"/>
+                </a:lnTo>
+                <a:close/>
+              </a:path>
+            </a:pathLst>
+          </a:custGeom>
+          <a:solidFill>
+            <a:srgbClr val="66CC99">
+              <a:alpha val="82352"/>
+            </a:srgbClr>
+          </a:solidFill>
+          <a:ln w="34014" cap="flat">
+            <a:solidFill>
+              <a:srgbClr val="66CC99">
+                <a:alpha val="82352"/>
+              </a:srgbClr>
+            </a:solidFill>
+            <a:prstDash val="solid"/>
+            <a:round/>
+          </a:ln>
+        </p:spPr>
+        <p:txBody>
+          <a:bodyPr/>
+          <a:lstStyle/>
+          <a:p>
+            <a:endParaRPr sz="1400" b="1">
+              <a:latin typeface="Times New Roman" panose="02020603050405020304" pitchFamily="18" charset="0"/>
+              <a:cs typeface="Times New Roman" panose="02020603050405020304" pitchFamily="18" charset="0"/>
+            </a:endParaRPr>
+          </a:p>
+        </p:txBody>
+      </p:sp>
+      <p:sp>
+        <p:nvSpPr>
+          <p:cNvPr id="43" name="pg8">
+            <a:extLst>
+              <a:ext uri="{FF2B5EF4-FFF2-40B4-BE49-F238E27FC236}">
+                <a16:creationId xmlns:a16="http://schemas.microsoft.com/office/drawing/2014/main" id="{CC12E2E1-6450-6F40-94D5-FA0EE0ACC408}"/>
+              </a:ext>
+            </a:extLst>
+          </p:cNvPr>
+          <p:cNvSpPr/>
+          <p:nvPr/>
+        </p:nvSpPr>
+        <p:spPr>
+          <a:xfrm rot="851593">
+            <a:off x="5247149" y="5895396"/>
+            <a:ext cx="169853" cy="176887"/>
+          </a:xfrm>
+          <a:custGeom>
+            <a:avLst/>
+            <a:gdLst/>
+            <a:ahLst/>
+            <a:cxnLst/>
+            <a:rect l="0" t="0" r="0" b="0"/>
+            <a:pathLst>
+              <a:path w="169853" h="176887">
+                <a:moveTo>
+                  <a:pt x="33329" y="0"/>
+                </a:moveTo>
+                <a:lnTo>
+                  <a:pt x="0" y="176887"/>
+                </a:lnTo>
+                <a:lnTo>
+                  <a:pt x="169853" y="117307"/>
+                </a:lnTo>
+                <a:close/>
+              </a:path>
+            </a:pathLst>
+          </a:custGeom>
+          <a:solidFill>
+            <a:srgbClr val="CC6666">
+              <a:alpha val="84705"/>
+            </a:srgbClr>
+          </a:solidFill>
+          <a:ln w="31895" cap="flat">
+            <a:solidFill>
+              <a:srgbClr val="CC6666">
+                <a:alpha val="84705"/>
+              </a:srgbClr>
+            </a:solidFill>
+            <a:prstDash val="solid"/>
+            <a:round/>
+          </a:ln>
+        </p:spPr>
+        <p:txBody>
+          <a:bodyPr/>
+          <a:lstStyle/>
+          <a:p>
+            <a:endParaRPr sz="1400" b="1">
+              <a:latin typeface="Times New Roman" panose="02020603050405020304" pitchFamily="18" charset="0"/>
+              <a:cs typeface="Times New Roman" panose="02020603050405020304" pitchFamily="18" charset="0"/>
+            </a:endParaRPr>
+          </a:p>
+        </p:txBody>
+      </p:sp>
+      <p:sp>
+        <p:nvSpPr>
+          <p:cNvPr id="44" name="pg31">
+            <a:extLst>
+              <a:ext uri="{FF2B5EF4-FFF2-40B4-BE49-F238E27FC236}">
+                <a16:creationId xmlns:a16="http://schemas.microsoft.com/office/drawing/2014/main" id="{683C22D4-B0C6-A341-84FC-0EC5BF7D044C}"/>
+              </a:ext>
+            </a:extLst>
+          </p:cNvPr>
+          <p:cNvSpPr/>
+          <p:nvPr/>
+        </p:nvSpPr>
+        <p:spPr>
+          <a:xfrm>
+            <a:off x="750260" y="1298836"/>
+            <a:ext cx="1720869" cy="485081"/>
+          </a:xfrm>
+          <a:custGeom>
+            <a:avLst/>
+            <a:gdLst/>
+            <a:ahLst/>
+            <a:cxnLst/>
+            <a:rect l="0" t="0" r="0" b="0"/>
+            <a:pathLst>
+              <a:path w="1422205" h="191440">
                 <a:moveTo>
                   <a:pt x="27432" y="191440"/>
                 </a:moveTo>
                 <a:lnTo>
-                  <a:pt x="879015" y="191440"/>
-                </a:lnTo>
-                <a:lnTo>
-                  <a:pt x="877911" y="191417"/>
-                </a:lnTo>
-                <a:lnTo>
-                  <a:pt x="882322" y="191240"/>
-                </a:lnTo>
-                <a:lnTo>
-                  <a:pt x="886647" y="190357"/>
-                </a:lnTo>
-                <a:lnTo>
-                  <a:pt x="890775" y="188791"/>
-                </a:lnTo>
-                <a:lnTo>
-                  <a:pt x="894598" y="186584"/>
-                </a:lnTo>
-                <a:lnTo>
-                  <a:pt x="898018" y="183792"/>
-                </a:lnTo>
-                <a:lnTo>
-                  <a:pt x="900945" y="180487"/>
-                </a:lnTo>
-                <a:lnTo>
-                  <a:pt x="903305" y="176756"/>
-                </a:lnTo>
-                <a:lnTo>
-                  <a:pt x="905035" y="172694"/>
-                </a:lnTo>
-                <a:lnTo>
-                  <a:pt x="906092" y="168408"/>
-                </a:lnTo>
-                <a:lnTo>
-                  <a:pt x="906447" y="164008"/>
-                </a:lnTo>
-                <a:lnTo>
-                  <a:pt x="906447" y="27432"/>
-                </a:lnTo>
-                <a:lnTo>
-                  <a:pt x="906092" y="23031"/>
-                </a:lnTo>
-                <a:lnTo>
-                  <a:pt x="905035" y="18745"/>
-                </a:lnTo>
-                <a:lnTo>
-                  <a:pt x="903305" y="14683"/>
-                </a:lnTo>
-                <a:lnTo>
-                  <a:pt x="900945" y="10952"/>
-                </a:lnTo>
-                <a:lnTo>
-                  <a:pt x="898018" y="7647"/>
-                </a:lnTo>
-                <a:lnTo>
-                  <a:pt x="894598" y="4855"/>
-                </a:lnTo>
-                <a:lnTo>
-                  <a:pt x="890775" y="2648"/>
-                </a:lnTo>
-                <a:lnTo>
-                  <a:pt x="886647" y="1083"/>
-                </a:lnTo>
-                <a:lnTo>
-                  <a:pt x="882322" y="200"/>
-                </a:lnTo>
-                <a:lnTo>
-                  <a:pt x="879015" y="0"/>
+                  <a:pt x="1394773" y="191440"/>
+                </a:lnTo>
+                <a:lnTo>
+                  <a:pt x="1393668" y="191417"/>
+                </a:lnTo>
+                <a:lnTo>
+                  <a:pt x="1398079" y="191240"/>
+                </a:lnTo>
+                <a:lnTo>
+                  <a:pt x="1402405" y="190357"/>
+                </a:lnTo>
+                <a:lnTo>
+                  <a:pt x="1406533" y="188791"/>
+                </a:lnTo>
+                <a:lnTo>
+                  <a:pt x="1410356" y="186584"/>
+                </a:lnTo>
+                <a:lnTo>
+                  <a:pt x="1413776" y="183792"/>
+                </a:lnTo>
+                <a:lnTo>
+                  <a:pt x="1416703" y="180487"/>
+                </a:lnTo>
+                <a:lnTo>
+                  <a:pt x="1419063" y="176756"/>
+                </a:lnTo>
+                <a:lnTo>
+                  <a:pt x="1420793" y="172694"/>
+                </a:lnTo>
+                <a:lnTo>
+                  <a:pt x="1421850" y="168408"/>
+                </a:lnTo>
+                <a:lnTo>
+                  <a:pt x="1422205" y="164008"/>
+                </a:lnTo>
+                <a:lnTo>
+                  <a:pt x="1422205" y="27431"/>
+                </a:lnTo>
+                <a:lnTo>
+                  <a:pt x="1421850" y="23031"/>
+                </a:lnTo>
+                <a:lnTo>
+                  <a:pt x="1420793" y="18745"/>
+                </a:lnTo>
+                <a:lnTo>
+                  <a:pt x="1419063" y="14683"/>
+                </a:lnTo>
+                <a:lnTo>
+                  <a:pt x="1416703" y="10952"/>
+                </a:lnTo>
+                <a:lnTo>
+                  <a:pt x="1413776" y="7647"/>
+                </a:lnTo>
+                <a:lnTo>
+                  <a:pt x="1410356" y="4855"/>
+                </a:lnTo>
+                <a:lnTo>
+                  <a:pt x="1406533" y="2648"/>
+                </a:lnTo>
+                <a:lnTo>
+                  <a:pt x="1402405" y="1083"/>
+                </a:lnTo>
+                <a:lnTo>
+                  <a:pt x="1398079" y="200"/>
+                </a:lnTo>
+                <a:lnTo>
+                  <a:pt x="1394773" y="0"/>
                 </a:lnTo>
                 <a:lnTo>
                   <a:pt x="27432" y="0"/>
@@ -5897,7 +6857,7 @@
                   <a:pt x="17704" y="1782"/>
                 </a:lnTo>
                 <a:lnTo>
-                  <a:pt x="13715" y="3675"/>
+                  <a:pt x="13716" y="3675"/>
                 </a:lnTo>
                 <a:lnTo>
                   <a:pt x="10082" y="6183"/>
@@ -5918,7 +6878,7 @@
                   <a:pt x="88" y="25224"/>
                 </a:lnTo>
                 <a:lnTo>
-                  <a:pt x="0" y="27432"/>
+                  <a:pt x="0" y="27431"/>
                 </a:lnTo>
                 <a:lnTo>
                   <a:pt x="0" y="164008"/>
@@ -5945,7 +6905,7 @@
                   <a:pt x="10082" y="185257"/>
                 </a:lnTo>
                 <a:lnTo>
-                  <a:pt x="13715" y="187764"/>
+                  <a:pt x="13716" y="187764"/>
                 </a:lnTo>
                 <a:lnTo>
                   <a:pt x="17704" y="189657"/>
@@ -5988,1188 +6948,6 @@
       </p:sp>
       <p:sp>
         <p:nvSpPr>
-          <p:cNvPr id="37" name="tx37"/>
-          <p:cNvSpPr/>
-          <p:nvPr/>
-        </p:nvSpPr>
-        <p:spPr>
-          <a:xfrm>
-            <a:off x="4150683" y="6272598"/>
-            <a:ext cx="860727" cy="434361"/>
-          </a:xfrm>
-          <a:prstGeom prst="rect">
-            <a:avLst/>
-          </a:prstGeom>
-          <a:noFill/>
-        </p:spPr>
-        <p:txBody>
-          <a:bodyPr wrap="none" lIns="0" tIns="0" rIns="0" bIns="0" anchor="ctr" anchorCtr="1"/>
-          <a:lstStyle/>
-          <a:p>
-            <a:pPr marL="0" marR="0" indent="0" algn="l">
-              <a:spcBef>
-                <a:spcPts val="0"/>
-              </a:spcBef>
-              <a:spcAft>
-                <a:spcPts val="0"/>
-              </a:spcAft>
-            </a:pPr>
-            <a:r>
-              <a:rPr sz="1400" b="1" dirty="0">
-                <a:solidFill>
-                  <a:srgbClr val="000000">
-                    <a:alpha val="100000"/>
-                  </a:srgbClr>
-                </a:solidFill>
-                <a:latin typeface="Times New Roman" panose="02020603050405020304" pitchFamily="18" charset="0"/>
-                <a:cs typeface="Times New Roman" panose="02020603050405020304" pitchFamily="18" charset="0"/>
-              </a:rPr>
-              <a:t>Relative</a:t>
-            </a:r>
-            <a:endParaRPr lang="en-CA" sz="1400" b="1" dirty="0">
-              <a:solidFill>
-                <a:srgbClr val="000000">
-                  <a:alpha val="100000"/>
-                </a:srgbClr>
-              </a:solidFill>
-              <a:latin typeface="Times New Roman" panose="02020603050405020304" pitchFamily="18" charset="0"/>
-              <a:cs typeface="Times New Roman" panose="02020603050405020304" pitchFamily="18" charset="0"/>
-            </a:endParaRPr>
-          </a:p>
-          <a:p>
-            <a:pPr marL="0" marR="0" indent="0" algn="l">
-              <a:spcBef>
-                <a:spcPts val="0"/>
-              </a:spcBef>
-              <a:spcAft>
-                <a:spcPts val="0"/>
-              </a:spcAft>
-            </a:pPr>
-            <a:r>
-              <a:rPr sz="1400" b="1" dirty="0">
-                <a:solidFill>
-                  <a:srgbClr val="000000">
-                    <a:alpha val="100000"/>
-                  </a:srgbClr>
-                </a:solidFill>
-                <a:latin typeface="Times New Roman" panose="02020603050405020304" pitchFamily="18" charset="0"/>
-                <a:cs typeface="Times New Roman" panose="02020603050405020304" pitchFamily="18" charset="0"/>
-              </a:rPr>
-              <a:t> Fitness</a:t>
-            </a:r>
-          </a:p>
-        </p:txBody>
-      </p:sp>
-      <p:sp>
-        <p:nvSpPr>
-          <p:cNvPr id="38" name="pl5">
-            <a:extLst>
-              <a:ext uri="{FF2B5EF4-FFF2-40B4-BE49-F238E27FC236}">
-                <a16:creationId xmlns:a16="http://schemas.microsoft.com/office/drawing/2014/main" id="{BF266EEA-95C9-A54D-99EB-6A849A006FC1}"/>
-              </a:ext>
-            </a:extLst>
-          </p:cNvPr>
-          <p:cNvSpPr/>
-          <p:nvPr/>
-        </p:nvSpPr>
-        <p:spPr>
-          <a:xfrm>
-            <a:off x="1187624" y="2111680"/>
-            <a:ext cx="2764496" cy="4185272"/>
-          </a:xfrm>
-          <a:custGeom>
-            <a:avLst/>
-            <a:gdLst/>
-            <a:ahLst/>
-            <a:cxnLst/>
-            <a:rect l="0" t="0" r="0" b="0"/>
-            <a:pathLst>
-              <a:path w="2819425" h="5611553">
-                <a:moveTo>
-                  <a:pt x="0" y="0"/>
-                </a:moveTo>
-                <a:lnTo>
-                  <a:pt x="3492" y="19571"/>
-                </a:lnTo>
-                <a:lnTo>
-                  <a:pt x="19327" y="108027"/>
-                </a:lnTo>
-                <a:lnTo>
-                  <a:pt x="34904" y="194756"/>
-                </a:lnTo>
-                <a:lnTo>
-                  <a:pt x="50241" y="279796"/>
-                </a:lnTo>
-                <a:lnTo>
-                  <a:pt x="65356" y="363181"/>
-                </a:lnTo>
-                <a:lnTo>
-                  <a:pt x="80268" y="444948"/>
-                </a:lnTo>
-                <a:lnTo>
-                  <a:pt x="94994" y="525131"/>
-                </a:lnTo>
-                <a:lnTo>
-                  <a:pt x="109551" y="603767"/>
-                </a:lnTo>
-                <a:lnTo>
-                  <a:pt x="123959" y="680891"/>
-                </a:lnTo>
-                <a:lnTo>
-                  <a:pt x="138235" y="756538"/>
-                </a:lnTo>
-                <a:lnTo>
-                  <a:pt x="152397" y="830744"/>
-                </a:lnTo>
-                <a:lnTo>
-                  <a:pt x="166463" y="903545"/>
-                </a:lnTo>
-                <a:lnTo>
-                  <a:pt x="180451" y="974975"/>
-                </a:lnTo>
-                <a:lnTo>
-                  <a:pt x="194379" y="1045072"/>
-                </a:lnTo>
-                <a:lnTo>
-                  <a:pt x="208265" y="1113870"/>
-                </a:lnTo>
-                <a:lnTo>
-                  <a:pt x="222127" y="1181405"/>
-                </a:lnTo>
-                <a:lnTo>
-                  <a:pt x="235983" y="1247713"/>
-                </a:lnTo>
-                <a:lnTo>
-                  <a:pt x="249851" y="1312828"/>
-                </a:lnTo>
-                <a:lnTo>
-                  <a:pt x="263748" y="1376787"/>
-                </a:lnTo>
-                <a:lnTo>
-                  <a:pt x="277694" y="1439625"/>
-                </a:lnTo>
-                <a:lnTo>
-                  <a:pt x="291705" y="1501378"/>
-                </a:lnTo>
-                <a:lnTo>
-                  <a:pt x="305800" y="1562082"/>
-                </a:lnTo>
-                <a:lnTo>
-                  <a:pt x="319997" y="1621771"/>
-                </a:lnTo>
-                <a:lnTo>
-                  <a:pt x="334314" y="1680482"/>
-                </a:lnTo>
-                <a:lnTo>
-                  <a:pt x="348768" y="1738249"/>
-                </a:lnTo>
-                <a:lnTo>
-                  <a:pt x="363378" y="1795110"/>
-                </a:lnTo>
-                <a:lnTo>
-                  <a:pt x="378162" y="1851098"/>
-                </a:lnTo>
-                <a:lnTo>
-                  <a:pt x="393138" y="1906251"/>
-                </a:lnTo>
-                <a:lnTo>
-                  <a:pt x="408323" y="1960602"/>
-                </a:lnTo>
-                <a:lnTo>
-                  <a:pt x="423736" y="2014189"/>
-                </a:lnTo>
-                <a:lnTo>
-                  <a:pt x="439395" y="2067046"/>
-                </a:lnTo>
-                <a:lnTo>
-                  <a:pt x="455317" y="2119208"/>
-                </a:lnTo>
-                <a:lnTo>
-                  <a:pt x="471521" y="2170713"/>
-                </a:lnTo>
-                <a:lnTo>
-                  <a:pt x="488024" y="2221595"/>
-                </a:lnTo>
-                <a:lnTo>
-                  <a:pt x="504845" y="2271889"/>
-                </a:lnTo>
-                <a:lnTo>
-                  <a:pt x="522002" y="2321632"/>
-                </a:lnTo>
-                <a:lnTo>
-                  <a:pt x="539512" y="2370858"/>
-                </a:lnTo>
-                <a:lnTo>
-                  <a:pt x="557393" y="2419605"/>
-                </a:lnTo>
-                <a:lnTo>
-                  <a:pt x="575664" y="2467906"/>
-                </a:lnTo>
-                <a:lnTo>
-                  <a:pt x="594343" y="2515797"/>
-                </a:lnTo>
-                <a:lnTo>
-                  <a:pt x="613447" y="2563315"/>
-                </a:lnTo>
-                <a:lnTo>
-                  <a:pt x="632994" y="2610495"/>
-                </a:lnTo>
-                <a:lnTo>
-                  <a:pt x="653003" y="2657371"/>
-                </a:lnTo>
-                <a:lnTo>
-                  <a:pt x="673491" y="2703981"/>
-                </a:lnTo>
-                <a:lnTo>
-                  <a:pt x="694476" y="2750359"/>
-                </a:lnTo>
-                <a:lnTo>
-                  <a:pt x="715977" y="2796541"/>
-                </a:lnTo>
-                <a:lnTo>
-                  <a:pt x="738011" y="2842563"/>
-                </a:lnTo>
-                <a:lnTo>
-                  <a:pt x="760596" y="2888460"/>
-                </a:lnTo>
-                <a:lnTo>
-                  <a:pt x="783751" y="2934268"/>
-                </a:lnTo>
-                <a:lnTo>
-                  <a:pt x="807493" y="2980021"/>
-                </a:lnTo>
-                <a:lnTo>
-                  <a:pt x="831840" y="3025757"/>
-                </a:lnTo>
-                <a:lnTo>
-                  <a:pt x="856810" y="3071510"/>
-                </a:lnTo>
-                <a:lnTo>
-                  <a:pt x="882422" y="3117316"/>
-                </a:lnTo>
-                <a:lnTo>
-                  <a:pt x="908693" y="3163211"/>
-                </a:lnTo>
-                <a:lnTo>
-                  <a:pt x="935640" y="3209230"/>
-                </a:lnTo>
-                <a:lnTo>
-                  <a:pt x="963283" y="3255408"/>
-                </a:lnTo>
-                <a:lnTo>
-                  <a:pt x="991640" y="3301782"/>
-                </a:lnTo>
-                <a:lnTo>
-                  <a:pt x="1020727" y="3348387"/>
-                </a:lnTo>
-                <a:lnTo>
-                  <a:pt x="1050563" y="3395258"/>
-                </a:lnTo>
-                <a:lnTo>
-                  <a:pt x="1081166" y="3442431"/>
-                </a:lnTo>
-                <a:lnTo>
-                  <a:pt x="1112555" y="3489942"/>
-                </a:lnTo>
-                <a:lnTo>
-                  <a:pt x="1144746" y="3537825"/>
-                </a:lnTo>
-                <a:lnTo>
-                  <a:pt x="1177759" y="3586118"/>
-                </a:lnTo>
-                <a:lnTo>
-                  <a:pt x="1211610" y="3634854"/>
-                </a:lnTo>
-                <a:lnTo>
-                  <a:pt x="1246318" y="3684071"/>
-                </a:lnTo>
-                <a:lnTo>
-                  <a:pt x="1281901" y="3733803"/>
-                </a:lnTo>
-                <a:lnTo>
-                  <a:pt x="1318378" y="3784086"/>
-                </a:lnTo>
-                <a:lnTo>
-                  <a:pt x="1355765" y="3834955"/>
-                </a:lnTo>
-                <a:lnTo>
-                  <a:pt x="1394080" y="3886447"/>
-                </a:lnTo>
-                <a:lnTo>
-                  <a:pt x="1433343" y="3938596"/>
-                </a:lnTo>
-                <a:lnTo>
-                  <a:pt x="1473571" y="3991439"/>
-                </a:lnTo>
-                <a:lnTo>
-                  <a:pt x="1514781" y="4045010"/>
-                </a:lnTo>
-                <a:lnTo>
-                  <a:pt x="1556992" y="4099346"/>
-                </a:lnTo>
-                <a:lnTo>
-                  <a:pt x="1600222" y="4154481"/>
-                </a:lnTo>
-                <a:lnTo>
-                  <a:pt x="1644489" y="4210453"/>
-                </a:lnTo>
-                <a:lnTo>
-                  <a:pt x="1689811" y="4267295"/>
-                </a:lnTo>
-                <a:lnTo>
-                  <a:pt x="1736205" y="4325044"/>
-                </a:lnTo>
-                <a:lnTo>
-                  <a:pt x="1783690" y="4383735"/>
-                </a:lnTo>
-                <a:lnTo>
-                  <a:pt x="1832283" y="4443404"/>
-                </a:lnTo>
-                <a:lnTo>
-                  <a:pt x="1882003" y="4504087"/>
-                </a:lnTo>
-                <a:lnTo>
-                  <a:pt x="1932868" y="4565818"/>
-                </a:lnTo>
-                <a:lnTo>
-                  <a:pt x="1984895" y="4628634"/>
-                </a:lnTo>
-                <a:lnTo>
-                  <a:pt x="2038103" y="4692570"/>
-                </a:lnTo>
-                <a:lnTo>
-                  <a:pt x="2092510" y="4757662"/>
-                </a:lnTo>
-                <a:lnTo>
-                  <a:pt x="2148133" y="4823945"/>
-                </a:lnTo>
-                <a:lnTo>
-                  <a:pt x="2204991" y="4891455"/>
-                </a:lnTo>
-                <a:lnTo>
-                  <a:pt x="2263101" y="4960227"/>
-                </a:lnTo>
-                <a:lnTo>
-                  <a:pt x="2322482" y="5030297"/>
-                </a:lnTo>
-                <a:lnTo>
-                  <a:pt x="2383151" y="5101700"/>
-                </a:lnTo>
-                <a:lnTo>
-                  <a:pt x="2445126" y="5174473"/>
-                </a:lnTo>
-                <a:lnTo>
-                  <a:pt x="2508426" y="5248650"/>
-                </a:lnTo>
-                <a:lnTo>
-                  <a:pt x="2573069" y="5324268"/>
-                </a:lnTo>
-                <a:lnTo>
-                  <a:pt x="2639071" y="5401361"/>
-                </a:lnTo>
-                <a:lnTo>
-                  <a:pt x="2706452" y="5479966"/>
-                </a:lnTo>
-                <a:lnTo>
-                  <a:pt x="2775230" y="5560118"/>
-                </a:lnTo>
-                <a:lnTo>
-                  <a:pt x="2819425" y="5611553"/>
-                </a:lnTo>
-              </a:path>
-            </a:pathLst>
-          </a:custGeom>
-          <a:ln w="34014" cap="flat">
-            <a:solidFill>
-              <a:srgbClr val="66CC99">
-                <a:alpha val="82352"/>
-              </a:srgbClr>
-            </a:solidFill>
-            <a:prstDash val="dash"/>
-            <a:round/>
-          </a:ln>
-        </p:spPr>
-        <p:txBody>
-          <a:bodyPr/>
-          <a:lstStyle/>
-          <a:p>
-            <a:endParaRPr sz="1400" b="1">
-              <a:latin typeface="Times New Roman" panose="02020603050405020304" pitchFamily="18" charset="0"/>
-              <a:cs typeface="Times New Roman" panose="02020603050405020304" pitchFamily="18" charset="0"/>
-            </a:endParaRPr>
-          </a:p>
-        </p:txBody>
-      </p:sp>
-      <p:sp>
-        <p:nvSpPr>
-          <p:cNvPr id="39" name="pl7">
-            <a:extLst>
-              <a:ext uri="{FF2B5EF4-FFF2-40B4-BE49-F238E27FC236}">
-                <a16:creationId xmlns:a16="http://schemas.microsoft.com/office/drawing/2014/main" id="{426CCBCC-A054-264E-A7D0-22549C73D2DE}"/>
-              </a:ext>
-            </a:extLst>
-          </p:cNvPr>
-          <p:cNvSpPr/>
-          <p:nvPr/>
-        </p:nvSpPr>
-        <p:spPr>
-          <a:xfrm>
-            <a:off x="5213828" y="2111679"/>
-            <a:ext cx="2670540" cy="4154635"/>
-          </a:xfrm>
-          <a:custGeom>
-            <a:avLst/>
-            <a:gdLst/>
-            <a:ahLst/>
-            <a:cxnLst/>
-            <a:rect l="0" t="0" r="0" b="0"/>
-            <a:pathLst>
-              <a:path w="2819425" h="5611553">
-                <a:moveTo>
-                  <a:pt x="2819425" y="0"/>
-                </a:moveTo>
-                <a:lnTo>
-                  <a:pt x="2815933" y="19571"/>
-                </a:lnTo>
-                <a:lnTo>
-                  <a:pt x="2800098" y="108027"/>
-                </a:lnTo>
-                <a:lnTo>
-                  <a:pt x="2784521" y="194756"/>
-                </a:lnTo>
-                <a:lnTo>
-                  <a:pt x="2769184" y="279796"/>
-                </a:lnTo>
-                <a:lnTo>
-                  <a:pt x="2754068" y="363181"/>
-                </a:lnTo>
-                <a:lnTo>
-                  <a:pt x="2739157" y="444948"/>
-                </a:lnTo>
-                <a:lnTo>
-                  <a:pt x="2724431" y="525131"/>
-                </a:lnTo>
-                <a:lnTo>
-                  <a:pt x="2709873" y="603767"/>
-                </a:lnTo>
-                <a:lnTo>
-                  <a:pt x="2695465" y="680891"/>
-                </a:lnTo>
-                <a:lnTo>
-                  <a:pt x="2681189" y="756538"/>
-                </a:lnTo>
-                <a:lnTo>
-                  <a:pt x="2667027" y="830744"/>
-                </a:lnTo>
-                <a:lnTo>
-                  <a:pt x="2652961" y="903545"/>
-                </a:lnTo>
-                <a:lnTo>
-                  <a:pt x="2638973" y="974975"/>
-                </a:lnTo>
-                <a:lnTo>
-                  <a:pt x="2625045" y="1045072"/>
-                </a:lnTo>
-                <a:lnTo>
-                  <a:pt x="2611160" y="1113870"/>
-                </a:lnTo>
-                <a:lnTo>
-                  <a:pt x="2597298" y="1181405"/>
-                </a:lnTo>
-                <a:lnTo>
-                  <a:pt x="2583442" y="1247713"/>
-                </a:lnTo>
-                <a:lnTo>
-                  <a:pt x="2569574" y="1312828"/>
-                </a:lnTo>
-                <a:lnTo>
-                  <a:pt x="2555676" y="1376787"/>
-                </a:lnTo>
-                <a:lnTo>
-                  <a:pt x="2541731" y="1439625"/>
-                </a:lnTo>
-                <a:lnTo>
-                  <a:pt x="2527720" y="1501378"/>
-                </a:lnTo>
-                <a:lnTo>
-                  <a:pt x="2513625" y="1562082"/>
-                </a:lnTo>
-                <a:lnTo>
-                  <a:pt x="2499428" y="1621771"/>
-                </a:lnTo>
-                <a:lnTo>
-                  <a:pt x="2485111" y="1680482"/>
-                </a:lnTo>
-                <a:lnTo>
-                  <a:pt x="2470656" y="1738249"/>
-                </a:lnTo>
-                <a:lnTo>
-                  <a:pt x="2456046" y="1795110"/>
-                </a:lnTo>
-                <a:lnTo>
-                  <a:pt x="2441262" y="1851098"/>
-                </a:lnTo>
-                <a:lnTo>
-                  <a:pt x="2426287" y="1906251"/>
-                </a:lnTo>
-                <a:lnTo>
-                  <a:pt x="2411101" y="1960602"/>
-                </a:lnTo>
-                <a:lnTo>
-                  <a:pt x="2395688" y="2014189"/>
-                </a:lnTo>
-                <a:lnTo>
-                  <a:pt x="2380030" y="2067046"/>
-                </a:lnTo>
-                <a:lnTo>
-                  <a:pt x="2364108" y="2119208"/>
-                </a:lnTo>
-                <a:lnTo>
-                  <a:pt x="2347904" y="2170713"/>
-                </a:lnTo>
-                <a:lnTo>
-                  <a:pt x="2331400" y="2221595"/>
-                </a:lnTo>
-                <a:lnTo>
-                  <a:pt x="2314579" y="2271889"/>
-                </a:lnTo>
-                <a:lnTo>
-                  <a:pt x="2297423" y="2321632"/>
-                </a:lnTo>
-                <a:lnTo>
-                  <a:pt x="2279913" y="2370858"/>
-                </a:lnTo>
-                <a:lnTo>
-                  <a:pt x="2262031" y="2419605"/>
-                </a:lnTo>
-                <a:lnTo>
-                  <a:pt x="2243760" y="2467906"/>
-                </a:lnTo>
-                <a:lnTo>
-                  <a:pt x="2225082" y="2515797"/>
-                </a:lnTo>
-                <a:lnTo>
-                  <a:pt x="2205978" y="2563315"/>
-                </a:lnTo>
-                <a:lnTo>
-                  <a:pt x="2186431" y="2610495"/>
-                </a:lnTo>
-                <a:lnTo>
-                  <a:pt x="2166422" y="2657371"/>
-                </a:lnTo>
-                <a:lnTo>
-                  <a:pt x="2145934" y="2703981"/>
-                </a:lnTo>
-                <a:lnTo>
-                  <a:pt x="2124949" y="2750359"/>
-                </a:lnTo>
-                <a:lnTo>
-                  <a:pt x="2103448" y="2796541"/>
-                </a:lnTo>
-                <a:lnTo>
-                  <a:pt x="2081414" y="2842563"/>
-                </a:lnTo>
-                <a:lnTo>
-                  <a:pt x="2058829" y="2888460"/>
-                </a:lnTo>
-                <a:lnTo>
-                  <a:pt x="2035674" y="2934268"/>
-                </a:lnTo>
-                <a:lnTo>
-                  <a:pt x="2011932" y="2980021"/>
-                </a:lnTo>
-                <a:lnTo>
-                  <a:pt x="1987585" y="3025757"/>
-                </a:lnTo>
-                <a:lnTo>
-                  <a:pt x="1962614" y="3071510"/>
-                </a:lnTo>
-                <a:lnTo>
-                  <a:pt x="1937003" y="3117316"/>
-                </a:lnTo>
-                <a:lnTo>
-                  <a:pt x="1910732" y="3163211"/>
-                </a:lnTo>
-                <a:lnTo>
-                  <a:pt x="1883784" y="3209230"/>
-                </a:lnTo>
-                <a:lnTo>
-                  <a:pt x="1856141" y="3255408"/>
-                </a:lnTo>
-                <a:lnTo>
-                  <a:pt x="1827785" y="3301782"/>
-                </a:lnTo>
-                <a:lnTo>
-                  <a:pt x="1798698" y="3348387"/>
-                </a:lnTo>
-                <a:lnTo>
-                  <a:pt x="1768862" y="3395258"/>
-                </a:lnTo>
-                <a:lnTo>
-                  <a:pt x="1738258" y="3442431"/>
-                </a:lnTo>
-                <a:lnTo>
-                  <a:pt x="1706870" y="3489942"/>
-                </a:lnTo>
-                <a:lnTo>
-                  <a:pt x="1674679" y="3537825"/>
-                </a:lnTo>
-                <a:lnTo>
-                  <a:pt x="1641666" y="3586118"/>
-                </a:lnTo>
-                <a:lnTo>
-                  <a:pt x="1607815" y="3634854"/>
-                </a:lnTo>
-                <a:lnTo>
-                  <a:pt x="1573107" y="3684071"/>
-                </a:lnTo>
-                <a:lnTo>
-                  <a:pt x="1537523" y="3733803"/>
-                </a:lnTo>
-                <a:lnTo>
-                  <a:pt x="1501047" y="3784086"/>
-                </a:lnTo>
-                <a:lnTo>
-                  <a:pt x="1463660" y="3834955"/>
-                </a:lnTo>
-                <a:lnTo>
-                  <a:pt x="1425344" y="3886447"/>
-                </a:lnTo>
-                <a:lnTo>
-                  <a:pt x="1386081" y="3938596"/>
-                </a:lnTo>
-                <a:lnTo>
-                  <a:pt x="1345854" y="3991439"/>
-                </a:lnTo>
-                <a:lnTo>
-                  <a:pt x="1304643" y="4045010"/>
-                </a:lnTo>
-                <a:lnTo>
-                  <a:pt x="1262432" y="4099346"/>
-                </a:lnTo>
-                <a:lnTo>
-                  <a:pt x="1219202" y="4154481"/>
-                </a:lnTo>
-                <a:lnTo>
-                  <a:pt x="1174936" y="4210453"/>
-                </a:lnTo>
-                <a:lnTo>
-                  <a:pt x="1129614" y="4267295"/>
-                </a:lnTo>
-                <a:lnTo>
-                  <a:pt x="1083220" y="4325044"/>
-                </a:lnTo>
-                <a:lnTo>
-                  <a:pt x="1035735" y="4383735"/>
-                </a:lnTo>
-                <a:lnTo>
-                  <a:pt x="987142" y="4443404"/>
-                </a:lnTo>
-                <a:lnTo>
-                  <a:pt x="937421" y="4504087"/>
-                </a:lnTo>
-                <a:lnTo>
-                  <a:pt x="886557" y="4565818"/>
-                </a:lnTo>
-                <a:lnTo>
-                  <a:pt x="834529" y="4628634"/>
-                </a:lnTo>
-                <a:lnTo>
-                  <a:pt x="781321" y="4692570"/>
-                </a:lnTo>
-                <a:lnTo>
-                  <a:pt x="726915" y="4757662"/>
-                </a:lnTo>
-                <a:lnTo>
-                  <a:pt x="671292" y="4823945"/>
-                </a:lnTo>
-                <a:lnTo>
-                  <a:pt x="614434" y="4891455"/>
-                </a:lnTo>
-                <a:lnTo>
-                  <a:pt x="556324" y="4960227"/>
-                </a:lnTo>
-                <a:lnTo>
-                  <a:pt x="496943" y="5030297"/>
-                </a:lnTo>
-                <a:lnTo>
-                  <a:pt x="436274" y="5101700"/>
-                </a:lnTo>
-                <a:lnTo>
-                  <a:pt x="374299" y="5174473"/>
-                </a:lnTo>
-                <a:lnTo>
-                  <a:pt x="310999" y="5248650"/>
-                </a:lnTo>
-                <a:lnTo>
-                  <a:pt x="246356" y="5324268"/>
-                </a:lnTo>
-                <a:lnTo>
-                  <a:pt x="180353" y="5401361"/>
-                </a:lnTo>
-                <a:lnTo>
-                  <a:pt x="112972" y="5479966"/>
-                </a:lnTo>
-                <a:lnTo>
-                  <a:pt x="44195" y="5560118"/>
-                </a:lnTo>
-                <a:lnTo>
-                  <a:pt x="0" y="5611553"/>
-                </a:lnTo>
-              </a:path>
-            </a:pathLst>
-          </a:custGeom>
-          <a:ln w="31895" cap="flat">
-            <a:solidFill>
-              <a:srgbClr val="CC6666">
-                <a:alpha val="84705"/>
-              </a:srgbClr>
-            </a:solidFill>
-            <a:prstDash val="dash"/>
-            <a:round/>
-          </a:ln>
-        </p:spPr>
-        <p:txBody>
-          <a:bodyPr/>
-          <a:lstStyle/>
-          <a:p>
-            <a:endParaRPr sz="1400" b="1">
-              <a:latin typeface="Times New Roman" panose="02020603050405020304" pitchFamily="18" charset="0"/>
-              <a:cs typeface="Times New Roman" panose="02020603050405020304" pitchFamily="18" charset="0"/>
-            </a:endParaRPr>
-          </a:p>
-        </p:txBody>
-      </p:sp>
-      <p:sp>
-        <p:nvSpPr>
-          <p:cNvPr id="40" name="tx9">
-            <a:extLst>
-              <a:ext uri="{FF2B5EF4-FFF2-40B4-BE49-F238E27FC236}">
-                <a16:creationId xmlns:a16="http://schemas.microsoft.com/office/drawing/2014/main" id="{62C4C57E-3B82-6F4A-9C7F-0F2D66B4E841}"/>
-              </a:ext>
-            </a:extLst>
-          </p:cNvPr>
-          <p:cNvSpPr/>
-          <p:nvPr/>
-        </p:nvSpPr>
-        <p:spPr>
-          <a:xfrm>
-            <a:off x="2132106" y="4293096"/>
-            <a:ext cx="279654" cy="74385"/>
-          </a:xfrm>
-          <a:prstGeom prst="rect">
-            <a:avLst/>
-          </a:prstGeom>
-          <a:noFill/>
-        </p:spPr>
-        <p:txBody>
-          <a:bodyPr wrap="none" lIns="0" tIns="0" rIns="0" bIns="0" anchor="ctr" anchorCtr="1"/>
-          <a:lstStyle/>
-          <a:p>
-            <a:pPr marL="0" marR="0" indent="0" algn="l">
-              <a:spcBef>
-                <a:spcPts val="0"/>
-              </a:spcBef>
-              <a:spcAft>
-                <a:spcPts val="0"/>
-              </a:spcAft>
-            </a:pPr>
-            <a:r>
-              <a:rPr sz="1400" b="1" dirty="0">
-                <a:solidFill>
-                  <a:srgbClr val="000000">
-                    <a:alpha val="100000"/>
-                  </a:srgbClr>
-                </a:solidFill>
-                <a:latin typeface="Times New Roman" panose="02020603050405020304" pitchFamily="18" charset="0"/>
-                <a:cs typeface="Times New Roman" panose="02020603050405020304" pitchFamily="18" charset="0"/>
-              </a:rPr>
-              <a:t>0.05</a:t>
-            </a:r>
-          </a:p>
-        </p:txBody>
-      </p:sp>
-      <p:sp>
-        <p:nvSpPr>
-          <p:cNvPr id="41" name="tx10">
-            <a:extLst>
-              <a:ext uri="{FF2B5EF4-FFF2-40B4-BE49-F238E27FC236}">
-                <a16:creationId xmlns:a16="http://schemas.microsoft.com/office/drawing/2014/main" id="{D242281A-7402-7B41-8FBC-99DBEF194499}"/>
-              </a:ext>
-            </a:extLst>
-          </p:cNvPr>
-          <p:cNvSpPr/>
-          <p:nvPr/>
-        </p:nvSpPr>
-        <p:spPr>
-          <a:xfrm>
-            <a:off x="6672872" y="4293096"/>
-            <a:ext cx="327476" cy="74385"/>
-          </a:xfrm>
-          <a:prstGeom prst="rect">
-            <a:avLst/>
-          </a:prstGeom>
-          <a:noFill/>
-        </p:spPr>
-        <p:txBody>
-          <a:bodyPr wrap="none" lIns="0" tIns="0" rIns="0" bIns="0" anchor="ctr" anchorCtr="1"/>
-          <a:lstStyle/>
-          <a:p>
-            <a:pPr marL="0" marR="0" indent="0" algn="l">
-              <a:spcBef>
-                <a:spcPts val="0"/>
-              </a:spcBef>
-              <a:spcAft>
-                <a:spcPts val="0"/>
-              </a:spcAft>
-            </a:pPr>
-            <a:r>
-              <a:rPr sz="1400" b="1" dirty="0">
-                <a:solidFill>
-                  <a:srgbClr val="000000">
-                    <a:alpha val="100000"/>
-                  </a:srgbClr>
-                </a:solidFill>
-                <a:latin typeface="Times New Roman" panose="02020603050405020304" pitchFamily="18" charset="0"/>
-                <a:cs typeface="Times New Roman" panose="02020603050405020304" pitchFamily="18" charset="0"/>
-              </a:rPr>
-              <a:t>-0.04</a:t>
-            </a:r>
-          </a:p>
-        </p:txBody>
-      </p:sp>
-      <p:sp>
-        <p:nvSpPr>
-          <p:cNvPr id="42" name="pg6">
-            <a:extLst>
-              <a:ext uri="{FF2B5EF4-FFF2-40B4-BE49-F238E27FC236}">
-                <a16:creationId xmlns:a16="http://schemas.microsoft.com/office/drawing/2014/main" id="{22067077-044B-394C-A144-C3DD7E4C109F}"/>
-              </a:ext>
-            </a:extLst>
-          </p:cNvPr>
-          <p:cNvSpPr/>
-          <p:nvPr/>
-        </p:nvSpPr>
-        <p:spPr>
-          <a:xfrm rot="20591602">
-            <a:off x="3895045" y="6221819"/>
-            <a:ext cx="169853" cy="176887"/>
-          </a:xfrm>
-          <a:custGeom>
-            <a:avLst/>
-            <a:gdLst/>
-            <a:ahLst/>
-            <a:cxnLst/>
-            <a:rect l="0" t="0" r="0" b="0"/>
-            <a:pathLst>
-              <a:path w="169853" h="176887">
-                <a:moveTo>
-                  <a:pt x="0" y="117307"/>
-                </a:moveTo>
-                <a:lnTo>
-                  <a:pt x="169853" y="176887"/>
-                </a:lnTo>
-                <a:lnTo>
-                  <a:pt x="136524" y="0"/>
-                </a:lnTo>
-                <a:close/>
-              </a:path>
-            </a:pathLst>
-          </a:custGeom>
-          <a:solidFill>
-            <a:srgbClr val="66CC99">
-              <a:alpha val="82352"/>
-            </a:srgbClr>
-          </a:solidFill>
-          <a:ln w="34014" cap="flat">
-            <a:solidFill>
-              <a:srgbClr val="66CC99">
-                <a:alpha val="82352"/>
-              </a:srgbClr>
-            </a:solidFill>
-            <a:prstDash val="solid"/>
-            <a:round/>
-          </a:ln>
-        </p:spPr>
-        <p:txBody>
-          <a:bodyPr/>
-          <a:lstStyle/>
-          <a:p>
-            <a:endParaRPr sz="1400" b="1">
-              <a:latin typeface="Times New Roman" panose="02020603050405020304" pitchFamily="18" charset="0"/>
-              <a:cs typeface="Times New Roman" panose="02020603050405020304" pitchFamily="18" charset="0"/>
-            </a:endParaRPr>
-          </a:p>
-        </p:txBody>
-      </p:sp>
-      <p:sp>
-        <p:nvSpPr>
-          <p:cNvPr id="43" name="pg8">
-            <a:extLst>
-              <a:ext uri="{FF2B5EF4-FFF2-40B4-BE49-F238E27FC236}">
-                <a16:creationId xmlns:a16="http://schemas.microsoft.com/office/drawing/2014/main" id="{CC12E2E1-6450-6F40-94D5-FA0EE0ACC408}"/>
-              </a:ext>
-            </a:extLst>
-          </p:cNvPr>
-          <p:cNvSpPr/>
-          <p:nvPr/>
-        </p:nvSpPr>
-        <p:spPr>
-          <a:xfrm rot="851593">
-            <a:off x="5121236" y="6214360"/>
-            <a:ext cx="169853" cy="176887"/>
-          </a:xfrm>
-          <a:custGeom>
-            <a:avLst/>
-            <a:gdLst/>
-            <a:ahLst/>
-            <a:cxnLst/>
-            <a:rect l="0" t="0" r="0" b="0"/>
-            <a:pathLst>
-              <a:path w="169853" h="176887">
-                <a:moveTo>
-                  <a:pt x="33329" y="0"/>
-                </a:moveTo>
-                <a:lnTo>
-                  <a:pt x="0" y="176887"/>
-                </a:lnTo>
-                <a:lnTo>
-                  <a:pt x="169853" y="117307"/>
-                </a:lnTo>
-                <a:close/>
-              </a:path>
-            </a:pathLst>
-          </a:custGeom>
-          <a:solidFill>
-            <a:srgbClr val="CC6666">
-              <a:alpha val="84705"/>
-            </a:srgbClr>
-          </a:solidFill>
-          <a:ln w="31895" cap="flat">
-            <a:solidFill>
-              <a:srgbClr val="CC6666">
-                <a:alpha val="84705"/>
-              </a:srgbClr>
-            </a:solidFill>
-            <a:prstDash val="solid"/>
-            <a:round/>
-          </a:ln>
-        </p:spPr>
-        <p:txBody>
-          <a:bodyPr/>
-          <a:lstStyle/>
-          <a:p>
-            <a:endParaRPr sz="1400" b="1">
-              <a:latin typeface="Times New Roman" panose="02020603050405020304" pitchFamily="18" charset="0"/>
-              <a:cs typeface="Times New Roman" panose="02020603050405020304" pitchFamily="18" charset="0"/>
-            </a:endParaRPr>
-          </a:p>
-        </p:txBody>
-      </p:sp>
-      <p:sp>
-        <p:nvSpPr>
-          <p:cNvPr id="44" name="pg31">
-            <a:extLst>
-              <a:ext uri="{FF2B5EF4-FFF2-40B4-BE49-F238E27FC236}">
-                <a16:creationId xmlns:a16="http://schemas.microsoft.com/office/drawing/2014/main" id="{683C22D4-B0C6-A341-84FC-0EC5BF7D044C}"/>
-              </a:ext>
-            </a:extLst>
-          </p:cNvPr>
-          <p:cNvSpPr/>
-          <p:nvPr/>
-        </p:nvSpPr>
-        <p:spPr>
-          <a:xfrm>
-            <a:off x="750260" y="1484784"/>
-            <a:ext cx="1720869" cy="485081"/>
-          </a:xfrm>
-          <a:custGeom>
-            <a:avLst/>
-            <a:gdLst/>
-            <a:ahLst/>
-            <a:cxnLst/>
-            <a:rect l="0" t="0" r="0" b="0"/>
-            <a:pathLst>
-              <a:path w="1422205" h="191440">
-                <a:moveTo>
-                  <a:pt x="27432" y="191440"/>
-                </a:moveTo>
-                <a:lnTo>
-                  <a:pt x="1394773" y="191440"/>
-                </a:lnTo>
-                <a:lnTo>
-                  <a:pt x="1393668" y="191417"/>
-                </a:lnTo>
-                <a:lnTo>
-                  <a:pt x="1398079" y="191240"/>
-                </a:lnTo>
-                <a:lnTo>
-                  <a:pt x="1402405" y="190357"/>
-                </a:lnTo>
-                <a:lnTo>
-                  <a:pt x="1406533" y="188791"/>
-                </a:lnTo>
-                <a:lnTo>
-                  <a:pt x="1410356" y="186584"/>
-                </a:lnTo>
-                <a:lnTo>
-                  <a:pt x="1413776" y="183792"/>
-                </a:lnTo>
-                <a:lnTo>
-                  <a:pt x="1416703" y="180487"/>
-                </a:lnTo>
-                <a:lnTo>
-                  <a:pt x="1419063" y="176756"/>
-                </a:lnTo>
-                <a:lnTo>
-                  <a:pt x="1420793" y="172694"/>
-                </a:lnTo>
-                <a:lnTo>
-                  <a:pt x="1421850" y="168408"/>
-                </a:lnTo>
-                <a:lnTo>
-                  <a:pt x="1422205" y="164008"/>
-                </a:lnTo>
-                <a:lnTo>
-                  <a:pt x="1422205" y="27431"/>
-                </a:lnTo>
-                <a:lnTo>
-                  <a:pt x="1421850" y="23031"/>
-                </a:lnTo>
-                <a:lnTo>
-                  <a:pt x="1420793" y="18745"/>
-                </a:lnTo>
-                <a:lnTo>
-                  <a:pt x="1419063" y="14683"/>
-                </a:lnTo>
-                <a:lnTo>
-                  <a:pt x="1416703" y="10952"/>
-                </a:lnTo>
-                <a:lnTo>
-                  <a:pt x="1413776" y="7647"/>
-                </a:lnTo>
-                <a:lnTo>
-                  <a:pt x="1410356" y="4855"/>
-                </a:lnTo>
-                <a:lnTo>
-                  <a:pt x="1406533" y="2648"/>
-                </a:lnTo>
-                <a:lnTo>
-                  <a:pt x="1402405" y="1083"/>
-                </a:lnTo>
-                <a:lnTo>
-                  <a:pt x="1398079" y="200"/>
-                </a:lnTo>
-                <a:lnTo>
-                  <a:pt x="1394773" y="0"/>
-                </a:lnTo>
-                <a:lnTo>
-                  <a:pt x="27432" y="0"/>
-                </a:lnTo>
-                <a:lnTo>
-                  <a:pt x="30738" y="200"/>
-                </a:lnTo>
-                <a:lnTo>
-                  <a:pt x="26327" y="22"/>
-                </a:lnTo>
-                <a:lnTo>
-                  <a:pt x="21944" y="554"/>
-                </a:lnTo>
-                <a:lnTo>
-                  <a:pt x="17704" y="1782"/>
-                </a:lnTo>
-                <a:lnTo>
-                  <a:pt x="13716" y="3675"/>
-                </a:lnTo>
-                <a:lnTo>
-                  <a:pt x="10082" y="6183"/>
-                </a:lnTo>
-                <a:lnTo>
-                  <a:pt x="6898" y="9241"/>
-                </a:lnTo>
-                <a:lnTo>
-                  <a:pt x="4246" y="12770"/>
-                </a:lnTo>
-                <a:lnTo>
-                  <a:pt x="2195" y="16679"/>
-                </a:lnTo>
-                <a:lnTo>
-                  <a:pt x="797" y="20867"/>
-                </a:lnTo>
-                <a:lnTo>
-                  <a:pt x="88" y="25224"/>
-                </a:lnTo>
-                <a:lnTo>
-                  <a:pt x="0" y="27431"/>
-                </a:lnTo>
-                <a:lnTo>
-                  <a:pt x="0" y="164008"/>
-                </a:lnTo>
-                <a:lnTo>
-                  <a:pt x="88" y="161800"/>
-                </a:lnTo>
-                <a:lnTo>
-                  <a:pt x="88" y="166215"/>
-                </a:lnTo>
-                <a:lnTo>
-                  <a:pt x="797" y="170573"/>
-                </a:lnTo>
-                <a:lnTo>
-                  <a:pt x="2195" y="174760"/>
-                </a:lnTo>
-                <a:lnTo>
-                  <a:pt x="4246" y="178669"/>
-                </a:lnTo>
-                <a:lnTo>
-                  <a:pt x="6898" y="182198"/>
-                </a:lnTo>
-                <a:lnTo>
-                  <a:pt x="10082" y="185257"/>
-                </a:lnTo>
-                <a:lnTo>
-                  <a:pt x="13716" y="187764"/>
-                </a:lnTo>
-                <a:lnTo>
-                  <a:pt x="17704" y="189657"/>
-                </a:lnTo>
-                <a:lnTo>
-                  <a:pt x="21944" y="190885"/>
-                </a:lnTo>
-                <a:lnTo>
-                  <a:pt x="26327" y="191417"/>
-                </a:lnTo>
-                <a:close/>
-              </a:path>
-            </a:pathLst>
-          </a:custGeom>
-          <a:solidFill>
-            <a:srgbClr val="FFFFFF">
-              <a:alpha val="100000"/>
-            </a:srgbClr>
-          </a:solidFill>
-          <a:ln w="6775" cap="rnd">
-            <a:solidFill>
-              <a:srgbClr val="000000">
-                <a:alpha val="100000"/>
-              </a:srgbClr>
-            </a:solidFill>
-            <a:prstDash val="solid"/>
-            <a:round/>
-          </a:ln>
-        </p:spPr>
-        <p:txBody>
-          <a:bodyPr/>
-          <a:lstStyle/>
-          <a:p>
-            <a:endParaRPr sz="1400" b="1">
-              <a:latin typeface="Times New Roman" panose="02020603050405020304" pitchFamily="18" charset="0"/>
-              <a:cs typeface="Times New Roman" panose="02020603050405020304" pitchFamily="18" charset="0"/>
-            </a:endParaRPr>
-          </a:p>
-        </p:txBody>
-      </p:sp>
-      <p:sp>
-        <p:nvSpPr>
           <p:cNvPr id="45" name="tx32">
             <a:extLst>
               <a:ext uri="{FF2B5EF4-FFF2-40B4-BE49-F238E27FC236}">
@@ -7182,7 +6960,7 @@
         </p:nvSpPr>
         <p:spPr>
           <a:xfrm>
-            <a:off x="949542" y="1556792"/>
+            <a:off x="949542" y="1370844"/>
             <a:ext cx="1330765" cy="322144"/>
           </a:xfrm>
           <a:prstGeom prst="rect">
@@ -7262,7 +7040,7 @@
         </p:nvSpPr>
         <p:spPr>
           <a:xfrm>
-            <a:off x="2830949" y="279284"/>
+            <a:off x="2830949" y="93336"/>
             <a:ext cx="1295176" cy="269396"/>
           </a:xfrm>
           <a:custGeom>
@@ -7464,7 +7242,7 @@
         </p:nvSpPr>
         <p:spPr>
           <a:xfrm>
-            <a:off x="3079154" y="315325"/>
+            <a:off x="3079154" y="129377"/>
             <a:ext cx="795976" cy="129468"/>
           </a:xfrm>
           <a:prstGeom prst="rect">
@@ -7513,7 +7291,7 @@
         </p:nvSpPr>
         <p:spPr>
           <a:xfrm>
-            <a:off x="5017876" y="281645"/>
+            <a:off x="5017876" y="95697"/>
             <a:ext cx="1140871" cy="267035"/>
           </a:xfrm>
           <a:custGeom>
@@ -7715,7 +7493,7 @@
         </p:nvSpPr>
         <p:spPr>
           <a:xfrm>
-            <a:off x="5244416" y="332656"/>
+            <a:off x="5244416" y="146708"/>
             <a:ext cx="687790" cy="131105"/>
           </a:xfrm>
           <a:prstGeom prst="rect">
@@ -7764,7 +7542,7 @@
         </p:nvSpPr>
         <p:spPr>
           <a:xfrm>
-            <a:off x="6672872" y="1485696"/>
+            <a:off x="6672872" y="1299748"/>
             <a:ext cx="1720869" cy="485081"/>
           </a:xfrm>
           <a:custGeom>
@@ -7966,7 +7744,7 @@
         </p:nvSpPr>
         <p:spPr>
           <a:xfrm>
-            <a:off x="6872154" y="1557704"/>
+            <a:off x="6872154" y="1371756"/>
             <a:ext cx="1330765" cy="322144"/>
           </a:xfrm>
           <a:prstGeom prst="rect">
@@ -8065,6 +7843,309 @@
               </a:rPr>
               <a:t>)</a:t>
             </a:r>
+          </a:p>
+        </p:txBody>
+      </p:sp>
+      <p:sp>
+        <p:nvSpPr>
+          <p:cNvPr id="46" name="pg41">
+            <a:extLst>
+              <a:ext uri="{FF2B5EF4-FFF2-40B4-BE49-F238E27FC236}">
+                <a16:creationId xmlns:a16="http://schemas.microsoft.com/office/drawing/2014/main" id="{D0351EB5-07C0-C74E-B602-B245C5CF1868}"/>
+              </a:ext>
+            </a:extLst>
+          </p:cNvPr>
+          <p:cNvSpPr/>
+          <p:nvPr/>
+        </p:nvSpPr>
+        <p:spPr>
+          <a:xfrm>
+            <a:off x="3909123" y="6136341"/>
+            <a:ext cx="1382957" cy="533019"/>
+          </a:xfrm>
+          <a:custGeom>
+            <a:avLst/>
+            <a:gdLst/>
+            <a:ahLst/>
+            <a:cxnLst/>
+            <a:rect l="0" t="0" r="0" b="0"/>
+            <a:pathLst>
+              <a:path w="944578" h="191440">
+                <a:moveTo>
+                  <a:pt x="27431" y="191440"/>
+                </a:moveTo>
+                <a:lnTo>
+                  <a:pt x="917146" y="191440"/>
+                </a:lnTo>
+                <a:lnTo>
+                  <a:pt x="916042" y="191417"/>
+                </a:lnTo>
+                <a:lnTo>
+                  <a:pt x="920453" y="191240"/>
+                </a:lnTo>
+                <a:lnTo>
+                  <a:pt x="924778" y="190357"/>
+                </a:lnTo>
+                <a:lnTo>
+                  <a:pt x="928906" y="188791"/>
+                </a:lnTo>
+                <a:lnTo>
+                  <a:pt x="932729" y="186584"/>
+                </a:lnTo>
+                <a:lnTo>
+                  <a:pt x="936149" y="183792"/>
+                </a:lnTo>
+                <a:lnTo>
+                  <a:pt x="939076" y="180487"/>
+                </a:lnTo>
+                <a:lnTo>
+                  <a:pt x="941436" y="176756"/>
+                </a:lnTo>
+                <a:lnTo>
+                  <a:pt x="943166" y="172694"/>
+                </a:lnTo>
+                <a:lnTo>
+                  <a:pt x="944223" y="168408"/>
+                </a:lnTo>
+                <a:lnTo>
+                  <a:pt x="944578" y="164008"/>
+                </a:lnTo>
+                <a:lnTo>
+                  <a:pt x="944578" y="27432"/>
+                </a:lnTo>
+                <a:lnTo>
+                  <a:pt x="944223" y="23031"/>
+                </a:lnTo>
+                <a:lnTo>
+                  <a:pt x="943166" y="18745"/>
+                </a:lnTo>
+                <a:lnTo>
+                  <a:pt x="941436" y="14683"/>
+                </a:lnTo>
+                <a:lnTo>
+                  <a:pt x="939076" y="10952"/>
+                </a:lnTo>
+                <a:lnTo>
+                  <a:pt x="936149" y="7647"/>
+                </a:lnTo>
+                <a:lnTo>
+                  <a:pt x="932729" y="4855"/>
+                </a:lnTo>
+                <a:lnTo>
+                  <a:pt x="928906" y="2648"/>
+                </a:lnTo>
+                <a:lnTo>
+                  <a:pt x="924778" y="1083"/>
+                </a:lnTo>
+                <a:lnTo>
+                  <a:pt x="920453" y="200"/>
+                </a:lnTo>
+                <a:lnTo>
+                  <a:pt x="917146" y="0"/>
+                </a:lnTo>
+                <a:lnTo>
+                  <a:pt x="27431" y="0"/>
+                </a:lnTo>
+                <a:lnTo>
+                  <a:pt x="30738" y="200"/>
+                </a:lnTo>
+                <a:lnTo>
+                  <a:pt x="26327" y="22"/>
+                </a:lnTo>
+                <a:lnTo>
+                  <a:pt x="21944" y="554"/>
+                </a:lnTo>
+                <a:lnTo>
+                  <a:pt x="17704" y="1782"/>
+                </a:lnTo>
+                <a:lnTo>
+                  <a:pt x="13715" y="3675"/>
+                </a:lnTo>
+                <a:lnTo>
+                  <a:pt x="10082" y="6183"/>
+                </a:lnTo>
+                <a:lnTo>
+                  <a:pt x="6898" y="9241"/>
+                </a:lnTo>
+                <a:lnTo>
+                  <a:pt x="4246" y="12770"/>
+                </a:lnTo>
+                <a:lnTo>
+                  <a:pt x="2195" y="16679"/>
+                </a:lnTo>
+                <a:lnTo>
+                  <a:pt x="797" y="20867"/>
+                </a:lnTo>
+                <a:lnTo>
+                  <a:pt x="88" y="25224"/>
+                </a:lnTo>
+                <a:lnTo>
+                  <a:pt x="0" y="27432"/>
+                </a:lnTo>
+                <a:lnTo>
+                  <a:pt x="0" y="164008"/>
+                </a:lnTo>
+                <a:lnTo>
+                  <a:pt x="88" y="161800"/>
+                </a:lnTo>
+                <a:lnTo>
+                  <a:pt x="88" y="166215"/>
+                </a:lnTo>
+                <a:lnTo>
+                  <a:pt x="797" y="170573"/>
+                </a:lnTo>
+                <a:lnTo>
+                  <a:pt x="2195" y="174760"/>
+                </a:lnTo>
+                <a:lnTo>
+                  <a:pt x="4246" y="178669"/>
+                </a:lnTo>
+                <a:lnTo>
+                  <a:pt x="6898" y="182198"/>
+                </a:lnTo>
+                <a:lnTo>
+                  <a:pt x="10082" y="185257"/>
+                </a:lnTo>
+                <a:lnTo>
+                  <a:pt x="13715" y="187764"/>
+                </a:lnTo>
+                <a:lnTo>
+                  <a:pt x="17704" y="189657"/>
+                </a:lnTo>
+                <a:lnTo>
+                  <a:pt x="21944" y="190885"/>
+                </a:lnTo>
+                <a:lnTo>
+                  <a:pt x="26327" y="191417"/>
+                </a:lnTo>
+                <a:close/>
+              </a:path>
+            </a:pathLst>
+          </a:custGeom>
+          <a:solidFill>
+            <a:srgbClr val="FFFFFF">
+              <a:alpha val="100000"/>
+            </a:srgbClr>
+          </a:solidFill>
+          <a:ln w="6775" cap="rnd">
+            <a:solidFill>
+              <a:srgbClr val="000000">
+                <a:alpha val="100000"/>
+              </a:srgbClr>
+            </a:solidFill>
+            <a:prstDash val="solid"/>
+            <a:round/>
+          </a:ln>
+        </p:spPr>
+        <p:txBody>
+          <a:bodyPr/>
+          <a:lstStyle/>
+          <a:p>
+            <a:endParaRPr sz="1400" b="1">
+              <a:latin typeface="Times New Roman" panose="02020603050405020304" pitchFamily="18" charset="0"/>
+              <a:cs typeface="Times New Roman" panose="02020603050405020304" pitchFamily="18" charset="0"/>
+            </a:endParaRPr>
+          </a:p>
+        </p:txBody>
+      </p:sp>
+      <p:sp>
+        <p:nvSpPr>
+          <p:cNvPr id="47" name="tx42">
+            <a:extLst>
+              <a:ext uri="{FF2B5EF4-FFF2-40B4-BE49-F238E27FC236}">
+                <a16:creationId xmlns:a16="http://schemas.microsoft.com/office/drawing/2014/main" id="{488C9228-FF25-9748-BF78-88DA469090B3}"/>
+              </a:ext>
+            </a:extLst>
+          </p:cNvPr>
+          <p:cNvSpPr/>
+          <p:nvPr/>
+        </p:nvSpPr>
+        <p:spPr>
+          <a:xfrm>
+            <a:off x="4190970" y="6191126"/>
+            <a:ext cx="823361" cy="462193"/>
+          </a:xfrm>
+          <a:prstGeom prst="rect">
+            <a:avLst/>
+          </a:prstGeom>
+          <a:noFill/>
+        </p:spPr>
+        <p:txBody>
+          <a:bodyPr wrap="none" lIns="0" tIns="0" rIns="0" bIns="0" anchor="ctr" anchorCtr="1"/>
+          <a:lstStyle/>
+          <a:p>
+            <a:pPr marL="0" marR="0" indent="0" algn="ctr">
+              <a:spcBef>
+                <a:spcPts val="0"/>
+              </a:spcBef>
+              <a:spcAft>
+                <a:spcPts val="0"/>
+              </a:spcAft>
+            </a:pPr>
+            <a:r>
+              <a:rPr lang="en-CA" sz="1400" b="1" i="1" dirty="0">
+                <a:solidFill>
+                  <a:srgbClr val="000000">
+                    <a:alpha val="100000"/>
+                  </a:srgbClr>
+                </a:solidFill>
+                <a:latin typeface="Times New Roman" panose="02020603050405020304" pitchFamily="18" charset="0"/>
+                <a:cs typeface="Times New Roman" panose="02020603050405020304" pitchFamily="18" charset="0"/>
+              </a:rPr>
+              <a:t>Alliaria petiolata</a:t>
+            </a:r>
+            <a:r>
+              <a:rPr sz="1400" b="1" dirty="0">
+                <a:solidFill>
+                  <a:srgbClr val="000000">
+                    <a:alpha val="100000"/>
+                  </a:srgbClr>
+                </a:solidFill>
+                <a:latin typeface="Times New Roman" panose="02020603050405020304" pitchFamily="18" charset="0"/>
+                <a:cs typeface="Times New Roman" panose="02020603050405020304" pitchFamily="18" charset="0"/>
+              </a:rPr>
+              <a:t> </a:t>
+            </a:r>
+            <a:endParaRPr lang="en-CA" sz="1400" b="1" dirty="0">
+              <a:solidFill>
+                <a:srgbClr val="000000">
+                  <a:alpha val="100000"/>
+                </a:srgbClr>
+              </a:solidFill>
+              <a:latin typeface="Times New Roman" panose="02020603050405020304" pitchFamily="18" charset="0"/>
+              <a:cs typeface="Times New Roman" panose="02020603050405020304" pitchFamily="18" charset="0"/>
+            </a:endParaRPr>
+          </a:p>
+          <a:p>
+            <a:pPr marL="0" marR="0" indent="0" algn="ctr">
+              <a:spcBef>
+                <a:spcPts val="0"/>
+              </a:spcBef>
+              <a:spcAft>
+                <a:spcPts val="0"/>
+              </a:spcAft>
+            </a:pPr>
+            <a:r>
+              <a:rPr lang="en-CA" sz="1400" b="1" dirty="0">
+                <a:solidFill>
+                  <a:srgbClr val="000000">
+                    <a:alpha val="100000"/>
+                  </a:srgbClr>
+                </a:solidFill>
+                <a:latin typeface="Times New Roman" panose="02020603050405020304" pitchFamily="18" charset="0"/>
+                <a:cs typeface="Times New Roman" panose="02020603050405020304" pitchFamily="18" charset="0"/>
+              </a:rPr>
+              <a:t>Lifetime Fitness</a:t>
+            </a:r>
+            <a:endParaRPr sz="1400" b="1" dirty="0">
+              <a:solidFill>
+                <a:srgbClr val="000000">
+                  <a:alpha val="100000"/>
+                </a:srgbClr>
+              </a:solidFill>
+              <a:latin typeface="Times New Roman" panose="02020603050405020304" pitchFamily="18" charset="0"/>
+              <a:cs typeface="Times New Roman" panose="02020603050405020304" pitchFamily="18" charset="0"/>
+            </a:endParaRPr>
           </a:p>
         </p:txBody>
       </p:sp>

--- a/Selection_Figures/PathTotalNew.pptx
+++ b/Selection_Figures/PathTotalNew.pptx
@@ -212,7 +212,7 @@
           <a:p>
             <a:fld id="{B0CC0C1C-962D-1442-A4E4-85028945C2C7}" type="datetimeFigureOut">
               <a:rPr lang="en-US" smtClean="0"/>
-              <a:t>4/13/21</a:t>
+              <a:t>4/7/22</a:t>
             </a:fld>
             <a:endParaRPr lang="en-US"/>
           </a:p>
@@ -744,7 +744,7 @@
           <a:p>
             <a:fld id="{E6744CE3-0875-4B69-89C0-6F72D8139561}" type="datetimeFigureOut">
               <a:rPr lang="en-GB" smtClean="0"/>
-              <a:t>13/04/2021</a:t>
+              <a:t>07/04/2022</a:t>
             </a:fld>
             <a:endParaRPr lang="en-GB"/>
           </a:p>
@@ -914,7 +914,7 @@
           <a:p>
             <a:fld id="{E6744CE3-0875-4B69-89C0-6F72D8139561}" type="datetimeFigureOut">
               <a:rPr lang="en-GB" smtClean="0"/>
-              <a:t>13/04/2021</a:t>
+              <a:t>07/04/2022</a:t>
             </a:fld>
             <a:endParaRPr lang="en-GB"/>
           </a:p>
@@ -1160,7 +1160,7 @@
           <a:p>
             <a:fld id="{E6744CE3-0875-4B69-89C0-6F72D8139561}" type="datetimeFigureOut">
               <a:rPr lang="en-GB" smtClean="0"/>
-              <a:t>13/04/2021</a:t>
+              <a:t>07/04/2022</a:t>
             </a:fld>
             <a:endParaRPr lang="en-GB"/>
           </a:p>
@@ -1448,7 +1448,7 @@
           <a:p>
             <a:fld id="{E6744CE3-0875-4B69-89C0-6F72D8139561}" type="datetimeFigureOut">
               <a:rPr lang="en-GB" smtClean="0"/>
-              <a:t>13/04/2021</a:t>
+              <a:t>07/04/2022</a:t>
             </a:fld>
             <a:endParaRPr lang="en-GB"/>
           </a:p>
@@ -1870,7 +1870,7 @@
           <a:p>
             <a:fld id="{E6744CE3-0875-4B69-89C0-6F72D8139561}" type="datetimeFigureOut">
               <a:rPr lang="en-GB" smtClean="0"/>
-              <a:t>13/04/2021</a:t>
+              <a:t>07/04/2022</a:t>
             </a:fld>
             <a:endParaRPr lang="en-GB"/>
           </a:p>
@@ -1988,7 +1988,7 @@
           <a:p>
             <a:fld id="{E6744CE3-0875-4B69-89C0-6F72D8139561}" type="datetimeFigureOut">
               <a:rPr lang="en-GB" smtClean="0"/>
-              <a:t>13/04/2021</a:t>
+              <a:t>07/04/2022</a:t>
             </a:fld>
             <a:endParaRPr lang="en-GB"/>
           </a:p>
@@ -2083,7 +2083,7 @@
           <a:p>
             <a:fld id="{E6744CE3-0875-4B69-89C0-6F72D8139561}" type="datetimeFigureOut">
               <a:rPr lang="en-GB" smtClean="0"/>
-              <a:t>13/04/2021</a:t>
+              <a:t>07/04/2022</a:t>
             </a:fld>
             <a:endParaRPr lang="en-GB"/>
           </a:p>
@@ -2296,7 +2296,7 @@
           <a:p>
             <a:fld id="{E6744CE3-0875-4B69-89C0-6F72D8139561}" type="datetimeFigureOut">
               <a:rPr lang="en-GB" smtClean="0"/>
-              <a:t>13/04/2021</a:t>
+              <a:t>07/04/2022</a:t>
             </a:fld>
             <a:endParaRPr lang="en-GB"/>
           </a:p>
@@ -6990,7 +6990,43 @@
                 <a:latin typeface="Times New Roman" panose="02020603050405020304" pitchFamily="18" charset="0"/>
                 <a:cs typeface="Times New Roman" panose="02020603050405020304" pitchFamily="18" charset="0"/>
               </a:rPr>
-              <a:t>General Investment </a:t>
+              <a:t>General </a:t>
+            </a:r>
+            <a:r>
+              <a:rPr lang="en-CA" sz="1400" b="1" dirty="0" err="1">
+                <a:solidFill>
+                  <a:srgbClr val="000000">
+                    <a:alpha val="100000"/>
+                  </a:srgbClr>
+                </a:solidFill>
+                <a:latin typeface="Times New Roman" panose="02020603050405020304" pitchFamily="18" charset="0"/>
+                <a:cs typeface="Times New Roman" panose="02020603050405020304" pitchFamily="18" charset="0"/>
+              </a:rPr>
+              <a:t>i</a:t>
+            </a:r>
+            <a:r>
+              <a:rPr sz="1400" b="1" dirty="0" err="1">
+                <a:solidFill>
+                  <a:srgbClr val="000000">
+                    <a:alpha val="100000"/>
+                  </a:srgbClr>
+                </a:solidFill>
+                <a:latin typeface="Times New Roman" panose="02020603050405020304" pitchFamily="18" charset="0"/>
+                <a:cs typeface="Times New Roman" panose="02020603050405020304" pitchFamily="18" charset="0"/>
+              </a:rPr>
+              <a:t>nvestment</a:t>
+            </a:r>
+            <a:r>
+              <a:rPr sz="1400" b="1" dirty="0">
+                <a:solidFill>
+                  <a:srgbClr val="000000">
+                    <a:alpha val="100000"/>
+                  </a:srgbClr>
+                </a:solidFill>
+                <a:latin typeface="Times New Roman" panose="02020603050405020304" pitchFamily="18" charset="0"/>
+                <a:cs typeface="Times New Roman" panose="02020603050405020304" pitchFamily="18" charset="0"/>
+              </a:rPr>
+              <a:t> </a:t>
             </a:r>
             <a:endParaRPr lang="en-CA" sz="1400" b="1" dirty="0">
               <a:solidFill>
@@ -7022,508 +7058,6 @@
                 <a:cs typeface="Times New Roman" panose="02020603050405020304" pitchFamily="18" charset="0"/>
               </a:rPr>
               <a:t>(PC1)</a:t>
-            </a:r>
-          </a:p>
-        </p:txBody>
-      </p:sp>
-      <p:sp>
-        <p:nvSpPr>
-          <p:cNvPr id="52" name="pg29">
-            <a:extLst>
-              <a:ext uri="{FF2B5EF4-FFF2-40B4-BE49-F238E27FC236}">
-                <a16:creationId xmlns:a16="http://schemas.microsoft.com/office/drawing/2014/main" id="{EDE985D6-B324-C54A-BFD7-E7F86FC5D7DF}"/>
-              </a:ext>
-            </a:extLst>
-          </p:cNvPr>
-          <p:cNvSpPr/>
-          <p:nvPr/>
-        </p:nvSpPr>
-        <p:spPr>
-          <a:xfrm>
-            <a:off x="2830949" y="93336"/>
-            <a:ext cx="1295176" cy="269396"/>
-          </a:xfrm>
-          <a:custGeom>
-            <a:avLst/>
-            <a:gdLst/>
-            <a:ahLst/>
-            <a:cxnLst/>
-            <a:rect l="0" t="0" r="0" b="0"/>
-            <a:pathLst>
-              <a:path w="887416" h="191440">
-                <a:moveTo>
-                  <a:pt x="27431" y="191440"/>
-                </a:moveTo>
-                <a:lnTo>
-                  <a:pt x="859984" y="191440"/>
-                </a:lnTo>
-                <a:lnTo>
-                  <a:pt x="858879" y="191417"/>
-                </a:lnTo>
-                <a:lnTo>
-                  <a:pt x="863290" y="191240"/>
-                </a:lnTo>
-                <a:lnTo>
-                  <a:pt x="867616" y="190357"/>
-                </a:lnTo>
-                <a:lnTo>
-                  <a:pt x="871744" y="188791"/>
-                </a:lnTo>
-                <a:lnTo>
-                  <a:pt x="875567" y="186584"/>
-                </a:lnTo>
-                <a:lnTo>
-                  <a:pt x="878987" y="183792"/>
-                </a:lnTo>
-                <a:lnTo>
-                  <a:pt x="881914" y="180487"/>
-                </a:lnTo>
-                <a:lnTo>
-                  <a:pt x="884274" y="176756"/>
-                </a:lnTo>
-                <a:lnTo>
-                  <a:pt x="886004" y="172694"/>
-                </a:lnTo>
-                <a:lnTo>
-                  <a:pt x="887060" y="168408"/>
-                </a:lnTo>
-                <a:lnTo>
-                  <a:pt x="887416" y="164008"/>
-                </a:lnTo>
-                <a:lnTo>
-                  <a:pt x="887416" y="27431"/>
-                </a:lnTo>
-                <a:lnTo>
-                  <a:pt x="887060" y="23031"/>
-                </a:lnTo>
-                <a:lnTo>
-                  <a:pt x="886004" y="18745"/>
-                </a:lnTo>
-                <a:lnTo>
-                  <a:pt x="884274" y="14683"/>
-                </a:lnTo>
-                <a:lnTo>
-                  <a:pt x="881914" y="10952"/>
-                </a:lnTo>
-                <a:lnTo>
-                  <a:pt x="878987" y="7647"/>
-                </a:lnTo>
-                <a:lnTo>
-                  <a:pt x="875567" y="4855"/>
-                </a:lnTo>
-                <a:lnTo>
-                  <a:pt x="871744" y="2648"/>
-                </a:lnTo>
-                <a:lnTo>
-                  <a:pt x="867616" y="1083"/>
-                </a:lnTo>
-                <a:lnTo>
-                  <a:pt x="863290" y="200"/>
-                </a:lnTo>
-                <a:lnTo>
-                  <a:pt x="859984" y="0"/>
-                </a:lnTo>
-                <a:lnTo>
-                  <a:pt x="27431" y="0"/>
-                </a:lnTo>
-                <a:lnTo>
-                  <a:pt x="30738" y="200"/>
-                </a:lnTo>
-                <a:lnTo>
-                  <a:pt x="26327" y="22"/>
-                </a:lnTo>
-                <a:lnTo>
-                  <a:pt x="21944" y="554"/>
-                </a:lnTo>
-                <a:lnTo>
-                  <a:pt x="17704" y="1782"/>
-                </a:lnTo>
-                <a:lnTo>
-                  <a:pt x="13715" y="3675"/>
-                </a:lnTo>
-                <a:lnTo>
-                  <a:pt x="10082" y="6183"/>
-                </a:lnTo>
-                <a:lnTo>
-                  <a:pt x="6898" y="9241"/>
-                </a:lnTo>
-                <a:lnTo>
-                  <a:pt x="4246" y="12770"/>
-                </a:lnTo>
-                <a:lnTo>
-                  <a:pt x="2195" y="16679"/>
-                </a:lnTo>
-                <a:lnTo>
-                  <a:pt x="797" y="20867"/>
-                </a:lnTo>
-                <a:lnTo>
-                  <a:pt x="88" y="25224"/>
-                </a:lnTo>
-                <a:lnTo>
-                  <a:pt x="0" y="27431"/>
-                </a:lnTo>
-                <a:lnTo>
-                  <a:pt x="0" y="164008"/>
-                </a:lnTo>
-                <a:lnTo>
-                  <a:pt x="88" y="161800"/>
-                </a:lnTo>
-                <a:lnTo>
-                  <a:pt x="88" y="166215"/>
-                </a:lnTo>
-                <a:lnTo>
-                  <a:pt x="797" y="170573"/>
-                </a:lnTo>
-                <a:lnTo>
-                  <a:pt x="2195" y="174760"/>
-                </a:lnTo>
-                <a:lnTo>
-                  <a:pt x="4246" y="178669"/>
-                </a:lnTo>
-                <a:lnTo>
-                  <a:pt x="6898" y="182198"/>
-                </a:lnTo>
-                <a:lnTo>
-                  <a:pt x="10082" y="185257"/>
-                </a:lnTo>
-                <a:lnTo>
-                  <a:pt x="13715" y="187764"/>
-                </a:lnTo>
-                <a:lnTo>
-                  <a:pt x="17704" y="189657"/>
-                </a:lnTo>
-                <a:lnTo>
-                  <a:pt x="21944" y="190885"/>
-                </a:lnTo>
-                <a:lnTo>
-                  <a:pt x="26327" y="191417"/>
-                </a:lnTo>
-                <a:close/>
-              </a:path>
-            </a:pathLst>
-          </a:custGeom>
-          <a:solidFill>
-            <a:srgbClr val="FFFFFF">
-              <a:alpha val="100000"/>
-            </a:srgbClr>
-          </a:solidFill>
-          <a:ln w="6775" cap="rnd">
-            <a:solidFill>
-              <a:srgbClr val="000000">
-                <a:alpha val="100000"/>
-              </a:srgbClr>
-            </a:solidFill>
-            <a:prstDash val="solid"/>
-            <a:round/>
-          </a:ln>
-        </p:spPr>
-        <p:txBody>
-          <a:bodyPr/>
-          <a:lstStyle/>
-          <a:p>
-            <a:endParaRPr sz="1400" b="1">
-              <a:latin typeface="Times New Roman" panose="02020603050405020304" pitchFamily="18" charset="0"/>
-              <a:cs typeface="Times New Roman" panose="02020603050405020304" pitchFamily="18" charset="0"/>
-            </a:endParaRPr>
-          </a:p>
-        </p:txBody>
-      </p:sp>
-      <p:sp>
-        <p:nvSpPr>
-          <p:cNvPr id="53" name="tx30">
-            <a:extLst>
-              <a:ext uri="{FF2B5EF4-FFF2-40B4-BE49-F238E27FC236}">
-                <a16:creationId xmlns:a16="http://schemas.microsoft.com/office/drawing/2014/main" id="{378B4883-D2ED-914E-8E78-BFDC1F43AD1A}"/>
-              </a:ext>
-            </a:extLst>
-          </p:cNvPr>
-          <p:cNvSpPr/>
-          <p:nvPr/>
-        </p:nvSpPr>
-        <p:spPr>
-          <a:xfrm>
-            <a:off x="3079154" y="129377"/>
-            <a:ext cx="795976" cy="129468"/>
-          </a:xfrm>
-          <a:prstGeom prst="rect">
-            <a:avLst/>
-          </a:prstGeom>
-          <a:noFill/>
-        </p:spPr>
-        <p:txBody>
-          <a:bodyPr wrap="none" lIns="0" tIns="0" rIns="0" bIns="0" anchor="ctr" anchorCtr="1"/>
-          <a:lstStyle/>
-          <a:p>
-            <a:pPr marL="0" marR="0" indent="0" algn="l">
-              <a:spcBef>
-                <a:spcPts val="0"/>
-              </a:spcBef>
-              <a:spcAft>
-                <a:spcPts val="0"/>
-              </a:spcAft>
-            </a:pPr>
-            <a:r>
-              <a:rPr sz="1400" b="1" dirty="0">
-                <a:solidFill>
-                  <a:srgbClr val="000000">
-                    <a:alpha val="100000"/>
-                  </a:srgbClr>
-                </a:solidFill>
-                <a:latin typeface="Times New Roman" panose="02020603050405020304" pitchFamily="18" charset="0"/>
-                <a:cs typeface="Times New Roman" panose="02020603050405020304" pitchFamily="18" charset="0"/>
-              </a:rPr>
-              <a:t>Transplant Size</a:t>
-            </a:r>
-          </a:p>
-        </p:txBody>
-      </p:sp>
-      <p:sp>
-        <p:nvSpPr>
-          <p:cNvPr id="54" name="pg33">
-            <a:extLst>
-              <a:ext uri="{FF2B5EF4-FFF2-40B4-BE49-F238E27FC236}">
-                <a16:creationId xmlns:a16="http://schemas.microsoft.com/office/drawing/2014/main" id="{2F22E6ED-5A6E-554B-98BC-BB8D6D104619}"/>
-              </a:ext>
-            </a:extLst>
-          </p:cNvPr>
-          <p:cNvSpPr/>
-          <p:nvPr/>
-        </p:nvSpPr>
-        <p:spPr>
-          <a:xfrm>
-            <a:off x="5017876" y="95697"/>
-            <a:ext cx="1140871" cy="267035"/>
-          </a:xfrm>
-          <a:custGeom>
-            <a:avLst/>
-            <a:gdLst/>
-            <a:ahLst/>
-            <a:cxnLst/>
-            <a:rect l="0" t="0" r="0" b="0"/>
-            <a:pathLst>
-              <a:path w="779230" h="191440">
-                <a:moveTo>
-                  <a:pt x="27432" y="191440"/>
-                </a:moveTo>
-                <a:lnTo>
-                  <a:pt x="751798" y="191440"/>
-                </a:lnTo>
-                <a:lnTo>
-                  <a:pt x="750694" y="191417"/>
-                </a:lnTo>
-                <a:lnTo>
-                  <a:pt x="755105" y="191240"/>
-                </a:lnTo>
-                <a:lnTo>
-                  <a:pt x="759430" y="190357"/>
-                </a:lnTo>
-                <a:lnTo>
-                  <a:pt x="763558" y="188791"/>
-                </a:lnTo>
-                <a:lnTo>
-                  <a:pt x="767381" y="186584"/>
-                </a:lnTo>
-                <a:lnTo>
-                  <a:pt x="770801" y="183792"/>
-                </a:lnTo>
-                <a:lnTo>
-                  <a:pt x="773728" y="180487"/>
-                </a:lnTo>
-                <a:lnTo>
-                  <a:pt x="776088" y="176756"/>
-                </a:lnTo>
-                <a:lnTo>
-                  <a:pt x="777818" y="172694"/>
-                </a:lnTo>
-                <a:lnTo>
-                  <a:pt x="778875" y="168408"/>
-                </a:lnTo>
-                <a:lnTo>
-                  <a:pt x="779230" y="164008"/>
-                </a:lnTo>
-                <a:lnTo>
-                  <a:pt x="779230" y="27431"/>
-                </a:lnTo>
-                <a:lnTo>
-                  <a:pt x="778875" y="23031"/>
-                </a:lnTo>
-                <a:lnTo>
-                  <a:pt x="777818" y="18745"/>
-                </a:lnTo>
-                <a:lnTo>
-                  <a:pt x="776088" y="14683"/>
-                </a:lnTo>
-                <a:lnTo>
-                  <a:pt x="773728" y="10952"/>
-                </a:lnTo>
-                <a:lnTo>
-                  <a:pt x="770801" y="7647"/>
-                </a:lnTo>
-                <a:lnTo>
-                  <a:pt x="767381" y="4855"/>
-                </a:lnTo>
-                <a:lnTo>
-                  <a:pt x="763558" y="2648"/>
-                </a:lnTo>
-                <a:lnTo>
-                  <a:pt x="759430" y="1083"/>
-                </a:lnTo>
-                <a:lnTo>
-                  <a:pt x="755105" y="200"/>
-                </a:lnTo>
-                <a:lnTo>
-                  <a:pt x="751798" y="0"/>
-                </a:lnTo>
-                <a:lnTo>
-                  <a:pt x="27432" y="0"/>
-                </a:lnTo>
-                <a:lnTo>
-                  <a:pt x="30738" y="200"/>
-                </a:lnTo>
-                <a:lnTo>
-                  <a:pt x="26327" y="22"/>
-                </a:lnTo>
-                <a:lnTo>
-                  <a:pt x="21944" y="554"/>
-                </a:lnTo>
-                <a:lnTo>
-                  <a:pt x="17704" y="1782"/>
-                </a:lnTo>
-                <a:lnTo>
-                  <a:pt x="13715" y="3675"/>
-                </a:lnTo>
-                <a:lnTo>
-                  <a:pt x="10082" y="6183"/>
-                </a:lnTo>
-                <a:lnTo>
-                  <a:pt x="6898" y="9241"/>
-                </a:lnTo>
-                <a:lnTo>
-                  <a:pt x="4246" y="12770"/>
-                </a:lnTo>
-                <a:lnTo>
-                  <a:pt x="2195" y="16679"/>
-                </a:lnTo>
-                <a:lnTo>
-                  <a:pt x="797" y="20867"/>
-                </a:lnTo>
-                <a:lnTo>
-                  <a:pt x="88" y="25224"/>
-                </a:lnTo>
-                <a:lnTo>
-                  <a:pt x="0" y="27431"/>
-                </a:lnTo>
-                <a:lnTo>
-                  <a:pt x="0" y="164008"/>
-                </a:lnTo>
-                <a:lnTo>
-                  <a:pt x="88" y="161800"/>
-                </a:lnTo>
-                <a:lnTo>
-                  <a:pt x="88" y="166215"/>
-                </a:lnTo>
-                <a:lnTo>
-                  <a:pt x="797" y="170573"/>
-                </a:lnTo>
-                <a:lnTo>
-                  <a:pt x="2195" y="174760"/>
-                </a:lnTo>
-                <a:lnTo>
-                  <a:pt x="4246" y="178669"/>
-                </a:lnTo>
-                <a:lnTo>
-                  <a:pt x="6898" y="182198"/>
-                </a:lnTo>
-                <a:lnTo>
-                  <a:pt x="10082" y="185257"/>
-                </a:lnTo>
-                <a:lnTo>
-                  <a:pt x="13715" y="187764"/>
-                </a:lnTo>
-                <a:lnTo>
-                  <a:pt x="17704" y="189657"/>
-                </a:lnTo>
-                <a:lnTo>
-                  <a:pt x="21944" y="190885"/>
-                </a:lnTo>
-                <a:lnTo>
-                  <a:pt x="26327" y="191417"/>
-                </a:lnTo>
-                <a:close/>
-              </a:path>
-            </a:pathLst>
-          </a:custGeom>
-          <a:solidFill>
-            <a:srgbClr val="FFFFFF">
-              <a:alpha val="100000"/>
-            </a:srgbClr>
-          </a:solidFill>
-          <a:ln w="6775" cap="rnd">
-            <a:solidFill>
-              <a:srgbClr val="000000">
-                <a:alpha val="100000"/>
-              </a:srgbClr>
-            </a:solidFill>
-            <a:prstDash val="solid"/>
-            <a:round/>
-          </a:ln>
-        </p:spPr>
-        <p:txBody>
-          <a:bodyPr/>
-          <a:lstStyle/>
-          <a:p>
-            <a:endParaRPr sz="1400" b="1">
-              <a:latin typeface="Times New Roman" panose="02020603050405020304" pitchFamily="18" charset="0"/>
-              <a:cs typeface="Times New Roman" panose="02020603050405020304" pitchFamily="18" charset="0"/>
-            </a:endParaRPr>
-          </a:p>
-        </p:txBody>
-      </p:sp>
-      <p:sp>
-        <p:nvSpPr>
-          <p:cNvPr id="55" name="tx34">
-            <a:extLst>
-              <a:ext uri="{FF2B5EF4-FFF2-40B4-BE49-F238E27FC236}">
-                <a16:creationId xmlns:a16="http://schemas.microsoft.com/office/drawing/2014/main" id="{38C23F39-FCEA-2E44-B3E2-639337414445}"/>
-              </a:ext>
-            </a:extLst>
-          </p:cNvPr>
-          <p:cNvSpPr/>
-          <p:nvPr/>
-        </p:nvSpPr>
-        <p:spPr>
-          <a:xfrm>
-            <a:off x="5244416" y="146708"/>
-            <a:ext cx="687790" cy="131105"/>
-          </a:xfrm>
-          <a:prstGeom prst="rect">
-            <a:avLst/>
-          </a:prstGeom>
-          <a:noFill/>
-        </p:spPr>
-        <p:txBody>
-          <a:bodyPr wrap="none" lIns="0" tIns="0" rIns="0" bIns="0" anchor="ctr" anchorCtr="1"/>
-          <a:lstStyle/>
-          <a:p>
-            <a:pPr marL="0" marR="0" indent="0" algn="l">
-              <a:spcBef>
-                <a:spcPts val="0"/>
-              </a:spcBef>
-              <a:spcAft>
-                <a:spcPts val="0"/>
-              </a:spcAft>
-            </a:pPr>
-            <a:r>
-              <a:rPr sz="1400" b="1" dirty="0">
-                <a:solidFill>
-                  <a:srgbClr val="000000">
-                    <a:alpha val="100000"/>
-                  </a:srgbClr>
-                </a:solidFill>
-                <a:latin typeface="Times New Roman" panose="02020603050405020304" pitchFamily="18" charset="0"/>
-                <a:cs typeface="Times New Roman" panose="02020603050405020304" pitchFamily="18" charset="0"/>
-              </a:rPr>
-              <a:t>Leaf Damage</a:t>
             </a:r>
           </a:p>
         </p:txBody>
@@ -7786,7 +7320,43 @@
                 <a:latin typeface="Times New Roman" panose="02020603050405020304" pitchFamily="18" charset="0"/>
                 <a:cs typeface="Times New Roman" panose="02020603050405020304" pitchFamily="18" charset="0"/>
               </a:rPr>
-              <a:t> Investment </a:t>
+              <a:t> </a:t>
+            </a:r>
+            <a:r>
+              <a:rPr lang="en-CA" sz="1400" b="1" dirty="0" err="1">
+                <a:solidFill>
+                  <a:srgbClr val="000000">
+                    <a:alpha val="100000"/>
+                  </a:srgbClr>
+                </a:solidFill>
+                <a:latin typeface="Times New Roman" panose="02020603050405020304" pitchFamily="18" charset="0"/>
+                <a:cs typeface="Times New Roman" panose="02020603050405020304" pitchFamily="18" charset="0"/>
+              </a:rPr>
+              <a:t>i</a:t>
+            </a:r>
+            <a:r>
+              <a:rPr sz="1400" b="1" dirty="0" err="1">
+                <a:solidFill>
+                  <a:srgbClr val="000000">
+                    <a:alpha val="100000"/>
+                  </a:srgbClr>
+                </a:solidFill>
+                <a:latin typeface="Times New Roman" panose="02020603050405020304" pitchFamily="18" charset="0"/>
+                <a:cs typeface="Times New Roman" panose="02020603050405020304" pitchFamily="18" charset="0"/>
+              </a:rPr>
+              <a:t>nvestment</a:t>
+            </a:r>
+            <a:r>
+              <a:rPr sz="1400" b="1" dirty="0">
+                <a:solidFill>
+                  <a:srgbClr val="000000">
+                    <a:alpha val="100000"/>
+                  </a:srgbClr>
+                </a:solidFill>
+                <a:latin typeface="Times New Roman" panose="02020603050405020304" pitchFamily="18" charset="0"/>
+                <a:cs typeface="Times New Roman" panose="02020603050405020304" pitchFamily="18" charset="0"/>
+              </a:rPr>
+              <a:t> </a:t>
             </a:r>
             <a:endParaRPr lang="en-CA" sz="1400" b="1" dirty="0">
               <a:solidFill>
@@ -8135,7 +7705,619 @@
                 <a:latin typeface="Times New Roman" panose="02020603050405020304" pitchFamily="18" charset="0"/>
                 <a:cs typeface="Times New Roman" panose="02020603050405020304" pitchFamily="18" charset="0"/>
               </a:rPr>
-              <a:t>Lifetime Fitness</a:t>
+              <a:t>Lifetime fitness</a:t>
+            </a:r>
+            <a:endParaRPr sz="1400" b="1" dirty="0">
+              <a:solidFill>
+                <a:srgbClr val="000000">
+                  <a:alpha val="100000"/>
+                </a:srgbClr>
+              </a:solidFill>
+              <a:latin typeface="Times New Roman" panose="02020603050405020304" pitchFamily="18" charset="0"/>
+              <a:cs typeface="Times New Roman" panose="02020603050405020304" pitchFamily="18" charset="0"/>
+            </a:endParaRPr>
+          </a:p>
+        </p:txBody>
+      </p:sp>
+      <p:sp>
+        <p:nvSpPr>
+          <p:cNvPr id="58" name="pg29">
+            <a:extLst>
+              <a:ext uri="{FF2B5EF4-FFF2-40B4-BE49-F238E27FC236}">
+                <a16:creationId xmlns:a16="http://schemas.microsoft.com/office/drawing/2014/main" id="{56FA15F2-B88E-5942-B147-472E079D4B17}"/>
+              </a:ext>
+            </a:extLst>
+          </p:cNvPr>
+          <p:cNvSpPr/>
+          <p:nvPr/>
+        </p:nvSpPr>
+        <p:spPr>
+          <a:xfrm>
+            <a:off x="2957563" y="44624"/>
+            <a:ext cx="1398413" cy="440667"/>
+          </a:xfrm>
+          <a:custGeom>
+            <a:avLst/>
+            <a:gdLst/>
+            <a:ahLst/>
+            <a:cxnLst/>
+            <a:rect l="0" t="0" r="0" b="0"/>
+            <a:pathLst>
+              <a:path w="887416" h="191440">
+                <a:moveTo>
+                  <a:pt x="27431" y="191440"/>
+                </a:moveTo>
+                <a:lnTo>
+                  <a:pt x="859984" y="191440"/>
+                </a:lnTo>
+                <a:lnTo>
+                  <a:pt x="858879" y="191417"/>
+                </a:lnTo>
+                <a:lnTo>
+                  <a:pt x="863290" y="191240"/>
+                </a:lnTo>
+                <a:lnTo>
+                  <a:pt x="867616" y="190357"/>
+                </a:lnTo>
+                <a:lnTo>
+                  <a:pt x="871744" y="188791"/>
+                </a:lnTo>
+                <a:lnTo>
+                  <a:pt x="875567" y="186584"/>
+                </a:lnTo>
+                <a:lnTo>
+                  <a:pt x="878987" y="183792"/>
+                </a:lnTo>
+                <a:lnTo>
+                  <a:pt x="881914" y="180487"/>
+                </a:lnTo>
+                <a:lnTo>
+                  <a:pt x="884274" y="176756"/>
+                </a:lnTo>
+                <a:lnTo>
+                  <a:pt x="886004" y="172694"/>
+                </a:lnTo>
+                <a:lnTo>
+                  <a:pt x="887060" y="168408"/>
+                </a:lnTo>
+                <a:lnTo>
+                  <a:pt x="887416" y="164008"/>
+                </a:lnTo>
+                <a:lnTo>
+                  <a:pt x="887416" y="27431"/>
+                </a:lnTo>
+                <a:lnTo>
+                  <a:pt x="887060" y="23031"/>
+                </a:lnTo>
+                <a:lnTo>
+                  <a:pt x="886004" y="18745"/>
+                </a:lnTo>
+                <a:lnTo>
+                  <a:pt x="884274" y="14683"/>
+                </a:lnTo>
+                <a:lnTo>
+                  <a:pt x="881914" y="10952"/>
+                </a:lnTo>
+                <a:lnTo>
+                  <a:pt x="878987" y="7647"/>
+                </a:lnTo>
+                <a:lnTo>
+                  <a:pt x="875567" y="4855"/>
+                </a:lnTo>
+                <a:lnTo>
+                  <a:pt x="871744" y="2648"/>
+                </a:lnTo>
+                <a:lnTo>
+                  <a:pt x="867616" y="1083"/>
+                </a:lnTo>
+                <a:lnTo>
+                  <a:pt x="863290" y="200"/>
+                </a:lnTo>
+                <a:lnTo>
+                  <a:pt x="859984" y="0"/>
+                </a:lnTo>
+                <a:lnTo>
+                  <a:pt x="27431" y="0"/>
+                </a:lnTo>
+                <a:lnTo>
+                  <a:pt x="30738" y="200"/>
+                </a:lnTo>
+                <a:lnTo>
+                  <a:pt x="26327" y="22"/>
+                </a:lnTo>
+                <a:lnTo>
+                  <a:pt x="21944" y="554"/>
+                </a:lnTo>
+                <a:lnTo>
+                  <a:pt x="17704" y="1782"/>
+                </a:lnTo>
+                <a:lnTo>
+                  <a:pt x="13715" y="3675"/>
+                </a:lnTo>
+                <a:lnTo>
+                  <a:pt x="10082" y="6183"/>
+                </a:lnTo>
+                <a:lnTo>
+                  <a:pt x="6898" y="9241"/>
+                </a:lnTo>
+                <a:lnTo>
+                  <a:pt x="4246" y="12770"/>
+                </a:lnTo>
+                <a:lnTo>
+                  <a:pt x="2195" y="16679"/>
+                </a:lnTo>
+                <a:lnTo>
+                  <a:pt x="797" y="20867"/>
+                </a:lnTo>
+                <a:lnTo>
+                  <a:pt x="88" y="25224"/>
+                </a:lnTo>
+                <a:lnTo>
+                  <a:pt x="0" y="27431"/>
+                </a:lnTo>
+                <a:lnTo>
+                  <a:pt x="0" y="164008"/>
+                </a:lnTo>
+                <a:lnTo>
+                  <a:pt x="88" y="161800"/>
+                </a:lnTo>
+                <a:lnTo>
+                  <a:pt x="88" y="166215"/>
+                </a:lnTo>
+                <a:lnTo>
+                  <a:pt x="797" y="170573"/>
+                </a:lnTo>
+                <a:lnTo>
+                  <a:pt x="2195" y="174760"/>
+                </a:lnTo>
+                <a:lnTo>
+                  <a:pt x="4246" y="178669"/>
+                </a:lnTo>
+                <a:lnTo>
+                  <a:pt x="6898" y="182198"/>
+                </a:lnTo>
+                <a:lnTo>
+                  <a:pt x="10082" y="185257"/>
+                </a:lnTo>
+                <a:lnTo>
+                  <a:pt x="13715" y="187764"/>
+                </a:lnTo>
+                <a:lnTo>
+                  <a:pt x="17704" y="189657"/>
+                </a:lnTo>
+                <a:lnTo>
+                  <a:pt x="21944" y="190885"/>
+                </a:lnTo>
+                <a:lnTo>
+                  <a:pt x="26327" y="191417"/>
+                </a:lnTo>
+                <a:close/>
+              </a:path>
+            </a:pathLst>
+          </a:custGeom>
+          <a:solidFill>
+            <a:srgbClr val="FFFFFF">
+              <a:alpha val="100000"/>
+            </a:srgbClr>
+          </a:solidFill>
+          <a:ln w="6775" cap="rnd">
+            <a:solidFill>
+              <a:srgbClr val="000000">
+                <a:alpha val="100000"/>
+              </a:srgbClr>
+            </a:solidFill>
+            <a:prstDash val="solid"/>
+            <a:round/>
+          </a:ln>
+        </p:spPr>
+        <p:txBody>
+          <a:bodyPr/>
+          <a:lstStyle/>
+          <a:p>
+            <a:endParaRPr sz="1400" b="1">
+              <a:latin typeface="Times New Roman" panose="02020603050405020304" pitchFamily="18" charset="0"/>
+              <a:cs typeface="Times New Roman" panose="02020603050405020304" pitchFamily="18" charset="0"/>
+            </a:endParaRPr>
+          </a:p>
+        </p:txBody>
+      </p:sp>
+      <p:sp>
+        <p:nvSpPr>
+          <p:cNvPr id="59" name="tx30">
+            <a:extLst>
+              <a:ext uri="{FF2B5EF4-FFF2-40B4-BE49-F238E27FC236}">
+                <a16:creationId xmlns:a16="http://schemas.microsoft.com/office/drawing/2014/main" id="{8A735DD2-D53E-2746-928C-9FAE46D5DEBD}"/>
+              </a:ext>
+            </a:extLst>
+          </p:cNvPr>
+          <p:cNvSpPr/>
+          <p:nvPr/>
+        </p:nvSpPr>
+        <p:spPr>
+          <a:xfrm>
+            <a:off x="3287764" y="172736"/>
+            <a:ext cx="795976" cy="129468"/>
+          </a:xfrm>
+          <a:prstGeom prst="rect">
+            <a:avLst/>
+          </a:prstGeom>
+          <a:noFill/>
+        </p:spPr>
+        <p:txBody>
+          <a:bodyPr wrap="none" lIns="0" tIns="0" rIns="0" bIns="0" anchor="ctr" anchorCtr="1"/>
+          <a:lstStyle/>
+          <a:p>
+            <a:pPr marL="0" marR="0" indent="0" algn="ctr">
+              <a:spcBef>
+                <a:spcPts val="0"/>
+              </a:spcBef>
+              <a:spcAft>
+                <a:spcPts val="0"/>
+              </a:spcAft>
+            </a:pPr>
+            <a:r>
+              <a:rPr lang="en-CA" sz="1400" b="1" i="1" dirty="0">
+                <a:solidFill>
+                  <a:srgbClr val="000000">
+                    <a:alpha val="100000"/>
+                  </a:srgbClr>
+                </a:solidFill>
+                <a:latin typeface="Times New Roman" panose="02020603050405020304" pitchFamily="18" charset="0"/>
+                <a:cs typeface="Times New Roman" panose="02020603050405020304" pitchFamily="18" charset="0"/>
+              </a:rPr>
+              <a:t>Acer saccharum </a:t>
+            </a:r>
+          </a:p>
+          <a:p>
+            <a:pPr marL="0" marR="0" indent="0" algn="ctr">
+              <a:spcBef>
+                <a:spcPts val="0"/>
+              </a:spcBef>
+              <a:spcAft>
+                <a:spcPts val="0"/>
+              </a:spcAft>
+            </a:pPr>
+            <a:r>
+              <a:rPr sz="1400" b="1" dirty="0">
+                <a:solidFill>
+                  <a:srgbClr val="000000">
+                    <a:alpha val="100000"/>
+                  </a:srgbClr>
+                </a:solidFill>
+                <a:latin typeface="Times New Roman" panose="02020603050405020304" pitchFamily="18" charset="0"/>
+                <a:cs typeface="Times New Roman" panose="02020603050405020304" pitchFamily="18" charset="0"/>
+              </a:rPr>
+              <a:t>Transplant </a:t>
+            </a:r>
+            <a:r>
+              <a:rPr lang="en-CA" sz="1400" b="1" dirty="0">
+                <a:solidFill>
+                  <a:srgbClr val="000000">
+                    <a:alpha val="100000"/>
+                  </a:srgbClr>
+                </a:solidFill>
+                <a:latin typeface="Times New Roman" panose="02020603050405020304" pitchFamily="18" charset="0"/>
+                <a:cs typeface="Times New Roman" panose="02020603050405020304" pitchFamily="18" charset="0"/>
+              </a:rPr>
+              <a:t>s</a:t>
+            </a:r>
+            <a:r>
+              <a:rPr sz="1400" b="1" dirty="0" err="1">
+                <a:solidFill>
+                  <a:srgbClr val="000000">
+                    <a:alpha val="100000"/>
+                  </a:srgbClr>
+                </a:solidFill>
+                <a:latin typeface="Times New Roman" panose="02020603050405020304" pitchFamily="18" charset="0"/>
+                <a:cs typeface="Times New Roman" panose="02020603050405020304" pitchFamily="18" charset="0"/>
+              </a:rPr>
+              <a:t>ize</a:t>
+            </a:r>
+            <a:endParaRPr sz="1400" b="1" dirty="0">
+              <a:solidFill>
+                <a:srgbClr val="000000">
+                  <a:alpha val="100000"/>
+                </a:srgbClr>
+              </a:solidFill>
+              <a:latin typeface="Times New Roman" panose="02020603050405020304" pitchFamily="18" charset="0"/>
+              <a:cs typeface="Times New Roman" panose="02020603050405020304" pitchFamily="18" charset="0"/>
+            </a:endParaRPr>
+          </a:p>
+        </p:txBody>
+      </p:sp>
+      <p:sp>
+        <p:nvSpPr>
+          <p:cNvPr id="60" name="pg33">
+            <a:extLst>
+              <a:ext uri="{FF2B5EF4-FFF2-40B4-BE49-F238E27FC236}">
+                <a16:creationId xmlns:a16="http://schemas.microsoft.com/office/drawing/2014/main" id="{65D3E15A-C3AE-DF4B-A46E-030E3FFAF716}"/>
+              </a:ext>
+            </a:extLst>
+          </p:cNvPr>
+          <p:cNvSpPr/>
+          <p:nvPr/>
+        </p:nvSpPr>
+        <p:spPr>
+          <a:xfrm>
+            <a:off x="5013509" y="54437"/>
+            <a:ext cx="1309663" cy="440667"/>
+          </a:xfrm>
+          <a:custGeom>
+            <a:avLst/>
+            <a:gdLst/>
+            <a:ahLst/>
+            <a:cxnLst/>
+            <a:rect l="0" t="0" r="0" b="0"/>
+            <a:pathLst>
+              <a:path w="779230" h="191440">
+                <a:moveTo>
+                  <a:pt x="27432" y="191440"/>
+                </a:moveTo>
+                <a:lnTo>
+                  <a:pt x="751798" y="191440"/>
+                </a:lnTo>
+                <a:lnTo>
+                  <a:pt x="750694" y="191417"/>
+                </a:lnTo>
+                <a:lnTo>
+                  <a:pt x="755105" y="191240"/>
+                </a:lnTo>
+                <a:lnTo>
+                  <a:pt x="759430" y="190357"/>
+                </a:lnTo>
+                <a:lnTo>
+                  <a:pt x="763558" y="188791"/>
+                </a:lnTo>
+                <a:lnTo>
+                  <a:pt x="767381" y="186584"/>
+                </a:lnTo>
+                <a:lnTo>
+                  <a:pt x="770801" y="183792"/>
+                </a:lnTo>
+                <a:lnTo>
+                  <a:pt x="773728" y="180487"/>
+                </a:lnTo>
+                <a:lnTo>
+                  <a:pt x="776088" y="176756"/>
+                </a:lnTo>
+                <a:lnTo>
+                  <a:pt x="777818" y="172694"/>
+                </a:lnTo>
+                <a:lnTo>
+                  <a:pt x="778875" y="168408"/>
+                </a:lnTo>
+                <a:lnTo>
+                  <a:pt x="779230" y="164008"/>
+                </a:lnTo>
+                <a:lnTo>
+                  <a:pt x="779230" y="27431"/>
+                </a:lnTo>
+                <a:lnTo>
+                  <a:pt x="778875" y="23031"/>
+                </a:lnTo>
+                <a:lnTo>
+                  <a:pt x="777818" y="18745"/>
+                </a:lnTo>
+                <a:lnTo>
+                  <a:pt x="776088" y="14683"/>
+                </a:lnTo>
+                <a:lnTo>
+                  <a:pt x="773728" y="10952"/>
+                </a:lnTo>
+                <a:lnTo>
+                  <a:pt x="770801" y="7647"/>
+                </a:lnTo>
+                <a:lnTo>
+                  <a:pt x="767381" y="4855"/>
+                </a:lnTo>
+                <a:lnTo>
+                  <a:pt x="763558" y="2648"/>
+                </a:lnTo>
+                <a:lnTo>
+                  <a:pt x="759430" y="1083"/>
+                </a:lnTo>
+                <a:lnTo>
+                  <a:pt x="755105" y="200"/>
+                </a:lnTo>
+                <a:lnTo>
+                  <a:pt x="751798" y="0"/>
+                </a:lnTo>
+                <a:lnTo>
+                  <a:pt x="27432" y="0"/>
+                </a:lnTo>
+                <a:lnTo>
+                  <a:pt x="30738" y="200"/>
+                </a:lnTo>
+                <a:lnTo>
+                  <a:pt x="26327" y="22"/>
+                </a:lnTo>
+                <a:lnTo>
+                  <a:pt x="21944" y="554"/>
+                </a:lnTo>
+                <a:lnTo>
+                  <a:pt x="17704" y="1782"/>
+                </a:lnTo>
+                <a:lnTo>
+                  <a:pt x="13715" y="3675"/>
+                </a:lnTo>
+                <a:lnTo>
+                  <a:pt x="10082" y="6183"/>
+                </a:lnTo>
+                <a:lnTo>
+                  <a:pt x="6898" y="9241"/>
+                </a:lnTo>
+                <a:lnTo>
+                  <a:pt x="4246" y="12770"/>
+                </a:lnTo>
+                <a:lnTo>
+                  <a:pt x="2195" y="16679"/>
+                </a:lnTo>
+                <a:lnTo>
+                  <a:pt x="797" y="20867"/>
+                </a:lnTo>
+                <a:lnTo>
+                  <a:pt x="88" y="25224"/>
+                </a:lnTo>
+                <a:lnTo>
+                  <a:pt x="0" y="27431"/>
+                </a:lnTo>
+                <a:lnTo>
+                  <a:pt x="0" y="164008"/>
+                </a:lnTo>
+                <a:lnTo>
+                  <a:pt x="88" y="161800"/>
+                </a:lnTo>
+                <a:lnTo>
+                  <a:pt x="88" y="166215"/>
+                </a:lnTo>
+                <a:lnTo>
+                  <a:pt x="797" y="170573"/>
+                </a:lnTo>
+                <a:lnTo>
+                  <a:pt x="2195" y="174760"/>
+                </a:lnTo>
+                <a:lnTo>
+                  <a:pt x="4246" y="178669"/>
+                </a:lnTo>
+                <a:lnTo>
+                  <a:pt x="6898" y="182198"/>
+                </a:lnTo>
+                <a:lnTo>
+                  <a:pt x="10082" y="185257"/>
+                </a:lnTo>
+                <a:lnTo>
+                  <a:pt x="13715" y="187764"/>
+                </a:lnTo>
+                <a:lnTo>
+                  <a:pt x="17704" y="189657"/>
+                </a:lnTo>
+                <a:lnTo>
+                  <a:pt x="21944" y="190885"/>
+                </a:lnTo>
+                <a:lnTo>
+                  <a:pt x="26327" y="191417"/>
+                </a:lnTo>
+                <a:close/>
+              </a:path>
+            </a:pathLst>
+          </a:custGeom>
+          <a:solidFill>
+            <a:srgbClr val="FFFFFF">
+              <a:alpha val="100000"/>
+            </a:srgbClr>
+          </a:solidFill>
+          <a:ln w="6775" cap="rnd">
+            <a:solidFill>
+              <a:srgbClr val="000000">
+                <a:alpha val="100000"/>
+              </a:srgbClr>
+            </a:solidFill>
+            <a:prstDash val="solid"/>
+            <a:round/>
+          </a:ln>
+        </p:spPr>
+        <p:txBody>
+          <a:bodyPr/>
+          <a:lstStyle/>
+          <a:p>
+            <a:endParaRPr sz="1400" b="1">
+              <a:latin typeface="Times New Roman" panose="02020603050405020304" pitchFamily="18" charset="0"/>
+              <a:cs typeface="Times New Roman" panose="02020603050405020304" pitchFamily="18" charset="0"/>
+            </a:endParaRPr>
+          </a:p>
+        </p:txBody>
+      </p:sp>
+      <p:sp>
+        <p:nvSpPr>
+          <p:cNvPr id="61" name="tx34">
+            <a:extLst>
+              <a:ext uri="{FF2B5EF4-FFF2-40B4-BE49-F238E27FC236}">
+                <a16:creationId xmlns:a16="http://schemas.microsoft.com/office/drawing/2014/main" id="{25112AE5-6E7F-D742-B354-624EC727D197}"/>
+              </a:ext>
+            </a:extLst>
+          </p:cNvPr>
+          <p:cNvSpPr/>
+          <p:nvPr/>
+        </p:nvSpPr>
+        <p:spPr>
+          <a:xfrm>
+            <a:off x="5336834" y="185575"/>
+            <a:ext cx="687790" cy="131105"/>
+          </a:xfrm>
+          <a:prstGeom prst="rect">
+            <a:avLst/>
+          </a:prstGeom>
+          <a:noFill/>
+        </p:spPr>
+        <p:txBody>
+          <a:bodyPr wrap="none" lIns="0" tIns="0" rIns="0" bIns="0" anchor="ctr" anchorCtr="1"/>
+          <a:lstStyle/>
+          <a:p>
+            <a:pPr marL="0" marR="0" indent="0" algn="ctr">
+              <a:spcBef>
+                <a:spcPts val="0"/>
+              </a:spcBef>
+              <a:spcAft>
+                <a:spcPts val="0"/>
+              </a:spcAft>
+            </a:pPr>
+            <a:r>
+              <a:rPr lang="en-CA" sz="1400" b="1" i="1" dirty="0">
+                <a:solidFill>
+                  <a:srgbClr val="000000">
+                    <a:alpha val="100000"/>
+                  </a:srgbClr>
+                </a:solidFill>
+                <a:latin typeface="Times New Roman" panose="02020603050405020304" pitchFamily="18" charset="0"/>
+                <a:cs typeface="Times New Roman" panose="02020603050405020304" pitchFamily="18" charset="0"/>
+              </a:rPr>
+              <a:t>Acer saccharum </a:t>
+            </a:r>
+          </a:p>
+          <a:p>
+            <a:pPr marL="0" marR="0" indent="0" algn="ctr">
+              <a:spcBef>
+                <a:spcPts val="0"/>
+              </a:spcBef>
+              <a:spcAft>
+                <a:spcPts val="0"/>
+              </a:spcAft>
+            </a:pPr>
+            <a:r>
+              <a:rPr sz="1400" b="1" dirty="0">
+                <a:solidFill>
+                  <a:srgbClr val="000000">
+                    <a:alpha val="100000"/>
+                  </a:srgbClr>
+                </a:solidFill>
+                <a:latin typeface="Times New Roman" panose="02020603050405020304" pitchFamily="18" charset="0"/>
+                <a:cs typeface="Times New Roman" panose="02020603050405020304" pitchFamily="18" charset="0"/>
+              </a:rPr>
+              <a:t>Leaf </a:t>
+            </a:r>
+            <a:r>
+              <a:rPr lang="en-CA" sz="1400" b="1" dirty="0">
+                <a:solidFill>
+                  <a:srgbClr val="000000">
+                    <a:alpha val="100000"/>
+                  </a:srgbClr>
+                </a:solidFill>
+                <a:latin typeface="Times New Roman" panose="02020603050405020304" pitchFamily="18" charset="0"/>
+                <a:cs typeface="Times New Roman" panose="02020603050405020304" pitchFamily="18" charset="0"/>
+              </a:rPr>
+              <a:t>d</a:t>
+            </a:r>
+            <a:r>
+              <a:rPr sz="1400" b="1" dirty="0" err="1">
+                <a:solidFill>
+                  <a:srgbClr val="000000">
+                    <a:alpha val="100000"/>
+                  </a:srgbClr>
+                </a:solidFill>
+                <a:latin typeface="Times New Roman" panose="02020603050405020304" pitchFamily="18" charset="0"/>
+                <a:cs typeface="Times New Roman" panose="02020603050405020304" pitchFamily="18" charset="0"/>
+              </a:rPr>
+              <a:t>amage</a:t>
             </a:r>
             <a:endParaRPr sz="1400" b="1" dirty="0">
               <a:solidFill>
